--- a/7_figures/figure_s1.pptx
+++ b/7_figures/figure_s1.pptx
@@ -2,12 +2,12 @@
 <file path=ppt/presentation.xml><?xml version="1.0" encoding="utf-8"?>
 <p:presentation xmlns:a="http://schemas.openxmlformats.org/drawingml/2006/main" xmlns:r="http://schemas.openxmlformats.org/officeDocument/2006/relationships" xmlns:p="http://schemas.openxmlformats.org/presentationml/2006/main" saveSubsetFonts="1" autoCompressPictures="0">
   <p:sldMasterIdLst>
-    <p:sldMasterId id="2147483684" r:id="rId1"/>
+    <p:sldMasterId id="2147483672" r:id="rId1"/>
   </p:sldMasterIdLst>
   <p:sldIdLst>
     <p:sldId id="256" r:id="rId2"/>
   </p:sldIdLst>
-  <p:sldSz cx="7315200" cy="9321800"/>
+  <p:sldSz cx="9144000" cy="4338638"/>
   <p:notesSz cx="6858000" cy="9144000"/>
   <p:defaultTextStyle>
     <a:defPPr>
@@ -104,6 +104,11 @@
       </a:defRPr>
     </a:lvl9pPr>
   </p:defaultTextStyle>
+  <p:extLst>
+    <p:ext uri="{EFAFB233-063F-42B5-8137-9DF3F51BA10A}">
+      <p15:sldGuideLst xmlns:p15="http://schemas.microsoft.com/office/powerpoint/2012/main"/>
+    </p:ext>
+  </p:extLst>
 </p:presentation>
 </file>
 
@@ -136,15 +141,15 @@
         </p:nvSpPr>
         <p:spPr>
           <a:xfrm>
-            <a:off x="548640" y="1525583"/>
-            <a:ext cx="6217920" cy="3245367"/>
+            <a:off x="1143000" y="710050"/>
+            <a:ext cx="6858000" cy="1510489"/>
           </a:xfrm>
         </p:spPr>
         <p:txBody>
           <a:bodyPr anchor="b"/>
           <a:lstStyle>
             <a:lvl1pPr algn="ctr">
-              <a:defRPr sz="4800"/>
+              <a:defRPr sz="3796"/>
             </a:lvl1pPr>
           </a:lstStyle>
           <a:p>
@@ -168,8 +173,8 @@
         </p:nvSpPr>
         <p:spPr>
           <a:xfrm>
-            <a:off x="914400" y="4896103"/>
-            <a:ext cx="5486400" cy="2250610"/>
+            <a:off x="1143000" y="2278789"/>
+            <a:ext cx="6858000" cy="1047500"/>
           </a:xfrm>
         </p:spPr>
         <p:txBody>
@@ -177,39 +182,39 @@
           <a:lstStyle>
             <a:lvl1pPr marL="0" indent="0" algn="ctr">
               <a:buNone/>
-              <a:defRPr sz="1920"/>
+              <a:defRPr sz="1518"/>
             </a:lvl1pPr>
-            <a:lvl2pPr marL="365760" indent="0" algn="ctr">
-              <a:buNone/>
-              <a:defRPr sz="1600"/>
+            <a:lvl2pPr marL="289225" indent="0" algn="ctr">
+              <a:buNone/>
+              <a:defRPr sz="1265"/>
             </a:lvl2pPr>
-            <a:lvl3pPr marL="731520" indent="0" algn="ctr">
-              <a:buNone/>
-              <a:defRPr sz="1440"/>
+            <a:lvl3pPr marL="578449" indent="0" algn="ctr">
+              <a:buNone/>
+              <a:defRPr sz="1139"/>
             </a:lvl3pPr>
-            <a:lvl4pPr marL="1097280" indent="0" algn="ctr">
-              <a:buNone/>
-              <a:defRPr sz="1280"/>
+            <a:lvl4pPr marL="867674" indent="0" algn="ctr">
+              <a:buNone/>
+              <a:defRPr sz="1012"/>
             </a:lvl4pPr>
-            <a:lvl5pPr marL="1463040" indent="0" algn="ctr">
-              <a:buNone/>
-              <a:defRPr sz="1280"/>
+            <a:lvl5pPr marL="1156899" indent="0" algn="ctr">
+              <a:buNone/>
+              <a:defRPr sz="1012"/>
             </a:lvl5pPr>
-            <a:lvl6pPr marL="1828800" indent="0" algn="ctr">
-              <a:buNone/>
-              <a:defRPr sz="1280"/>
+            <a:lvl6pPr marL="1446124" indent="0" algn="ctr">
+              <a:buNone/>
+              <a:defRPr sz="1012"/>
             </a:lvl6pPr>
-            <a:lvl7pPr marL="2194560" indent="0" algn="ctr">
-              <a:buNone/>
-              <a:defRPr sz="1280"/>
+            <a:lvl7pPr marL="1735348" indent="0" algn="ctr">
+              <a:buNone/>
+              <a:defRPr sz="1012"/>
             </a:lvl7pPr>
-            <a:lvl8pPr marL="2560320" indent="0" algn="ctr">
-              <a:buNone/>
-              <a:defRPr sz="1280"/>
+            <a:lvl8pPr marL="2024573" indent="0" algn="ctr">
+              <a:buNone/>
+              <a:defRPr sz="1012"/>
             </a:lvl8pPr>
-            <a:lvl9pPr marL="2926080" indent="0" algn="ctr">
-              <a:buNone/>
-              <a:defRPr sz="1280"/>
+            <a:lvl9pPr marL="2313798" indent="0" algn="ctr">
+              <a:buNone/>
+              <a:defRPr sz="1012"/>
             </a:lvl9pPr>
           </a:lstStyle>
           <a:p>
@@ -236,9 +241,9 @@
           <a:bodyPr/>
           <a:lstStyle/>
           <a:p>
-            <a:fld id="{D20F9C60-C75C-2344-ADD7-BEB6F1FB8696}" type="datetimeFigureOut">
+            <a:fld id="{B3FD49CD-0034-0441-84C5-BD61FA025A57}" type="datetimeFigureOut">
               <a:rPr lang="en-US" smtClean="0"/>
-              <a:t>2/29/20</a:t>
+              <a:t>7/24/20</a:t>
             </a:fld>
             <a:endParaRPr lang="en-US"/>
           </a:p>
@@ -278,7 +283,7 @@
           <a:bodyPr/>
           <a:lstStyle/>
           <a:p>
-            <a:fld id="{50A6DB94-3934-1241-B6AA-C2377CAD40C3}" type="slidenum">
+            <a:fld id="{FBC658B5-A350-DE4B-8B29-42402953F3E0}" type="slidenum">
               <a:rPr lang="en-US" smtClean="0"/>
               <a:t>‹#›</a:t>
             </a:fld>
@@ -289,7 +294,7 @@
     </p:spTree>
     <p:extLst>
       <p:ext uri="{BB962C8B-B14F-4D97-AF65-F5344CB8AC3E}">
-        <p14:creationId xmlns:p14="http://schemas.microsoft.com/office/powerpoint/2010/main" val="1571156411"/>
+        <p14:creationId xmlns:p14="http://schemas.microsoft.com/office/powerpoint/2010/main" val="124492218"/>
       </p:ext>
     </p:extLst>
   </p:cSld>
@@ -406,9 +411,9 @@
           <a:bodyPr/>
           <a:lstStyle/>
           <a:p>
-            <a:fld id="{D20F9C60-C75C-2344-ADD7-BEB6F1FB8696}" type="datetimeFigureOut">
+            <a:fld id="{B3FD49CD-0034-0441-84C5-BD61FA025A57}" type="datetimeFigureOut">
               <a:rPr lang="en-US" smtClean="0"/>
-              <a:t>2/29/20</a:t>
+              <a:t>7/24/20</a:t>
             </a:fld>
             <a:endParaRPr lang="en-US"/>
           </a:p>
@@ -448,7 +453,7 @@
           <a:bodyPr/>
           <a:lstStyle/>
           <a:p>
-            <a:fld id="{50A6DB94-3934-1241-B6AA-C2377CAD40C3}" type="slidenum">
+            <a:fld id="{FBC658B5-A350-DE4B-8B29-42402953F3E0}" type="slidenum">
               <a:rPr lang="en-US" smtClean="0"/>
               <a:t>‹#›</a:t>
             </a:fld>
@@ -459,7 +464,7 @@
     </p:spTree>
     <p:extLst>
       <p:ext uri="{BB962C8B-B14F-4D97-AF65-F5344CB8AC3E}">
-        <p14:creationId xmlns:p14="http://schemas.microsoft.com/office/powerpoint/2010/main" val="682434379"/>
+        <p14:creationId xmlns:p14="http://schemas.microsoft.com/office/powerpoint/2010/main" val="1586681534"/>
       </p:ext>
     </p:extLst>
   </p:cSld>
@@ -498,8 +503,8 @@
         </p:nvSpPr>
         <p:spPr>
           <a:xfrm>
-            <a:off x="5234940" y="496299"/>
-            <a:ext cx="1577340" cy="7899795"/>
+            <a:off x="6543675" y="230992"/>
+            <a:ext cx="1971675" cy="3676795"/>
           </a:xfrm>
         </p:spPr>
         <p:txBody>
@@ -526,8 +531,8 @@
         </p:nvSpPr>
         <p:spPr>
           <a:xfrm>
-            <a:off x="502920" y="496299"/>
-            <a:ext cx="4640580" cy="7899795"/>
+            <a:off x="628650" y="230992"/>
+            <a:ext cx="5800725" cy="3676795"/>
           </a:xfrm>
         </p:spPr>
         <p:txBody>
@@ -586,9 +591,9 @@
           <a:bodyPr/>
           <a:lstStyle/>
           <a:p>
-            <a:fld id="{D20F9C60-C75C-2344-ADD7-BEB6F1FB8696}" type="datetimeFigureOut">
+            <a:fld id="{B3FD49CD-0034-0441-84C5-BD61FA025A57}" type="datetimeFigureOut">
               <a:rPr lang="en-US" smtClean="0"/>
-              <a:t>2/29/20</a:t>
+              <a:t>7/24/20</a:t>
             </a:fld>
             <a:endParaRPr lang="en-US"/>
           </a:p>
@@ -628,7 +633,7 @@
           <a:bodyPr/>
           <a:lstStyle/>
           <a:p>
-            <a:fld id="{50A6DB94-3934-1241-B6AA-C2377CAD40C3}" type="slidenum">
+            <a:fld id="{FBC658B5-A350-DE4B-8B29-42402953F3E0}" type="slidenum">
               <a:rPr lang="en-US" smtClean="0"/>
               <a:t>‹#›</a:t>
             </a:fld>
@@ -639,7 +644,7 @@
     </p:spTree>
     <p:extLst>
       <p:ext uri="{BB962C8B-B14F-4D97-AF65-F5344CB8AC3E}">
-        <p14:creationId xmlns:p14="http://schemas.microsoft.com/office/powerpoint/2010/main" val="690092205"/>
+        <p14:creationId xmlns:p14="http://schemas.microsoft.com/office/powerpoint/2010/main" val="1685809067"/>
       </p:ext>
     </p:extLst>
   </p:cSld>
@@ -756,9 +761,9 @@
           <a:bodyPr/>
           <a:lstStyle/>
           <a:p>
-            <a:fld id="{D20F9C60-C75C-2344-ADD7-BEB6F1FB8696}" type="datetimeFigureOut">
+            <a:fld id="{B3FD49CD-0034-0441-84C5-BD61FA025A57}" type="datetimeFigureOut">
               <a:rPr lang="en-US" smtClean="0"/>
-              <a:t>2/29/20</a:t>
+              <a:t>7/24/20</a:t>
             </a:fld>
             <a:endParaRPr lang="en-US"/>
           </a:p>
@@ -798,7 +803,7 @@
           <a:bodyPr/>
           <a:lstStyle/>
           <a:p>
-            <a:fld id="{50A6DB94-3934-1241-B6AA-C2377CAD40C3}" type="slidenum">
+            <a:fld id="{FBC658B5-A350-DE4B-8B29-42402953F3E0}" type="slidenum">
               <a:rPr lang="en-US" smtClean="0"/>
               <a:t>‹#›</a:t>
             </a:fld>
@@ -809,7 +814,7 @@
     </p:spTree>
     <p:extLst>
       <p:ext uri="{BB962C8B-B14F-4D97-AF65-F5344CB8AC3E}">
-        <p14:creationId xmlns:p14="http://schemas.microsoft.com/office/powerpoint/2010/main" val="3551703637"/>
+        <p14:creationId xmlns:p14="http://schemas.microsoft.com/office/powerpoint/2010/main" val="2822650669"/>
       </p:ext>
     </p:extLst>
   </p:cSld>
@@ -848,15 +853,15 @@
         </p:nvSpPr>
         <p:spPr>
           <a:xfrm>
-            <a:off x="499110" y="2323979"/>
-            <a:ext cx="6309360" cy="3877609"/>
+            <a:off x="623888" y="1081647"/>
+            <a:ext cx="7886700" cy="1804753"/>
           </a:xfrm>
         </p:spPr>
         <p:txBody>
           <a:bodyPr anchor="b"/>
           <a:lstStyle>
             <a:lvl1pPr>
-              <a:defRPr sz="4800"/>
+              <a:defRPr sz="3796"/>
             </a:lvl1pPr>
           </a:lstStyle>
           <a:p>
@@ -880,8 +885,8 @@
         </p:nvSpPr>
         <p:spPr>
           <a:xfrm>
-            <a:off x="499110" y="6238272"/>
-            <a:ext cx="6309360" cy="2039143"/>
+            <a:off x="623888" y="2903473"/>
+            <a:ext cx="7886700" cy="949077"/>
           </a:xfrm>
         </p:spPr>
         <p:txBody>
@@ -889,15 +894,17 @@
           <a:lstStyle>
             <a:lvl1pPr marL="0" indent="0">
               <a:buNone/>
-              <a:defRPr sz="1920">
+              <a:defRPr sz="1518">
                 <a:solidFill>
-                  <a:schemeClr val="tx1"/>
+                  <a:schemeClr val="tx1">
+                    <a:tint val="75000"/>
+                  </a:schemeClr>
                 </a:solidFill>
               </a:defRPr>
             </a:lvl1pPr>
-            <a:lvl2pPr marL="365760" indent="0">
-              <a:buNone/>
-              <a:defRPr sz="1600">
+            <a:lvl2pPr marL="289225" indent="0">
+              <a:buNone/>
+              <a:defRPr sz="1265">
                 <a:solidFill>
                   <a:schemeClr val="tx1">
                     <a:tint val="75000"/>
@@ -905,9 +912,9 @@
                 </a:solidFill>
               </a:defRPr>
             </a:lvl2pPr>
-            <a:lvl3pPr marL="731520" indent="0">
-              <a:buNone/>
-              <a:defRPr sz="1440">
+            <a:lvl3pPr marL="578449" indent="0">
+              <a:buNone/>
+              <a:defRPr sz="1139">
                 <a:solidFill>
                   <a:schemeClr val="tx1">
                     <a:tint val="75000"/>
@@ -915,9 +922,9 @@
                 </a:solidFill>
               </a:defRPr>
             </a:lvl3pPr>
-            <a:lvl4pPr marL="1097280" indent="0">
-              <a:buNone/>
-              <a:defRPr sz="1280">
+            <a:lvl4pPr marL="867674" indent="0">
+              <a:buNone/>
+              <a:defRPr sz="1012">
                 <a:solidFill>
                   <a:schemeClr val="tx1">
                     <a:tint val="75000"/>
@@ -925,9 +932,9 @@
                 </a:solidFill>
               </a:defRPr>
             </a:lvl4pPr>
-            <a:lvl5pPr marL="1463040" indent="0">
-              <a:buNone/>
-              <a:defRPr sz="1280">
+            <a:lvl5pPr marL="1156899" indent="0">
+              <a:buNone/>
+              <a:defRPr sz="1012">
                 <a:solidFill>
                   <a:schemeClr val="tx1">
                     <a:tint val="75000"/>
@@ -935,9 +942,9 @@
                 </a:solidFill>
               </a:defRPr>
             </a:lvl5pPr>
-            <a:lvl6pPr marL="1828800" indent="0">
-              <a:buNone/>
-              <a:defRPr sz="1280">
+            <a:lvl6pPr marL="1446124" indent="0">
+              <a:buNone/>
+              <a:defRPr sz="1012">
                 <a:solidFill>
                   <a:schemeClr val="tx1">
                     <a:tint val="75000"/>
@@ -945,9 +952,9 @@
                 </a:solidFill>
               </a:defRPr>
             </a:lvl6pPr>
-            <a:lvl7pPr marL="2194560" indent="0">
-              <a:buNone/>
-              <a:defRPr sz="1280">
+            <a:lvl7pPr marL="1735348" indent="0">
+              <a:buNone/>
+              <a:defRPr sz="1012">
                 <a:solidFill>
                   <a:schemeClr val="tx1">
                     <a:tint val="75000"/>
@@ -955,9 +962,9 @@
                 </a:solidFill>
               </a:defRPr>
             </a:lvl7pPr>
-            <a:lvl8pPr marL="2560320" indent="0">
-              <a:buNone/>
-              <a:defRPr sz="1280">
+            <a:lvl8pPr marL="2024573" indent="0">
+              <a:buNone/>
+              <a:defRPr sz="1012">
                 <a:solidFill>
                   <a:schemeClr val="tx1">
                     <a:tint val="75000"/>
@@ -965,9 +972,9 @@
                 </a:solidFill>
               </a:defRPr>
             </a:lvl8pPr>
-            <a:lvl9pPr marL="2926080" indent="0">
-              <a:buNone/>
-              <a:defRPr sz="1280">
+            <a:lvl9pPr marL="2313798" indent="0">
+              <a:buNone/>
+              <a:defRPr sz="1012">
                 <a:solidFill>
                   <a:schemeClr val="tx1">
                     <a:tint val="75000"/>
@@ -1000,9 +1007,9 @@
           <a:bodyPr/>
           <a:lstStyle/>
           <a:p>
-            <a:fld id="{D20F9C60-C75C-2344-ADD7-BEB6F1FB8696}" type="datetimeFigureOut">
+            <a:fld id="{B3FD49CD-0034-0441-84C5-BD61FA025A57}" type="datetimeFigureOut">
               <a:rPr lang="en-US" smtClean="0"/>
-              <a:t>2/29/20</a:t>
+              <a:t>7/24/20</a:t>
             </a:fld>
             <a:endParaRPr lang="en-US"/>
           </a:p>
@@ -1042,7 +1049,7 @@
           <a:bodyPr/>
           <a:lstStyle/>
           <a:p>
-            <a:fld id="{50A6DB94-3934-1241-B6AA-C2377CAD40C3}" type="slidenum">
+            <a:fld id="{FBC658B5-A350-DE4B-8B29-42402953F3E0}" type="slidenum">
               <a:rPr lang="en-US" smtClean="0"/>
               <a:t>‹#›</a:t>
             </a:fld>
@@ -1053,7 +1060,7 @@
     </p:spTree>
     <p:extLst>
       <p:ext uri="{BB962C8B-B14F-4D97-AF65-F5344CB8AC3E}">
-        <p14:creationId xmlns:p14="http://schemas.microsoft.com/office/powerpoint/2010/main" val="1383599412"/>
+        <p14:creationId xmlns:p14="http://schemas.microsoft.com/office/powerpoint/2010/main" val="3283922215"/>
       </p:ext>
     </p:extLst>
   </p:cSld>
@@ -1115,8 +1122,8 @@
         </p:nvSpPr>
         <p:spPr>
           <a:xfrm>
-            <a:off x="502920" y="2481498"/>
-            <a:ext cx="3108960" cy="5914596"/>
+            <a:off x="628650" y="1154961"/>
+            <a:ext cx="3886200" cy="2752826"/>
           </a:xfrm>
         </p:spPr>
         <p:txBody>
@@ -1172,8 +1179,8 @@
         </p:nvSpPr>
         <p:spPr>
           <a:xfrm>
-            <a:off x="3703320" y="2481498"/>
-            <a:ext cx="3108960" cy="5914596"/>
+            <a:off x="4629150" y="1154961"/>
+            <a:ext cx="3886200" cy="2752826"/>
           </a:xfrm>
         </p:spPr>
         <p:txBody>
@@ -1232,9 +1239,9 @@
           <a:bodyPr/>
           <a:lstStyle/>
           <a:p>
-            <a:fld id="{D20F9C60-C75C-2344-ADD7-BEB6F1FB8696}" type="datetimeFigureOut">
+            <a:fld id="{B3FD49CD-0034-0441-84C5-BD61FA025A57}" type="datetimeFigureOut">
               <a:rPr lang="en-US" smtClean="0"/>
-              <a:t>2/29/20</a:t>
+              <a:t>7/24/20</a:t>
             </a:fld>
             <a:endParaRPr lang="en-US"/>
           </a:p>
@@ -1274,7 +1281,7 @@
           <a:bodyPr/>
           <a:lstStyle/>
           <a:p>
-            <a:fld id="{50A6DB94-3934-1241-B6AA-C2377CAD40C3}" type="slidenum">
+            <a:fld id="{FBC658B5-A350-DE4B-8B29-42402953F3E0}" type="slidenum">
               <a:rPr lang="en-US" smtClean="0"/>
               <a:t>‹#›</a:t>
             </a:fld>
@@ -1285,7 +1292,7 @@
     </p:spTree>
     <p:extLst>
       <p:ext uri="{BB962C8B-B14F-4D97-AF65-F5344CB8AC3E}">
-        <p14:creationId xmlns:p14="http://schemas.microsoft.com/office/powerpoint/2010/main" val="3322049136"/>
+        <p14:creationId xmlns:p14="http://schemas.microsoft.com/office/powerpoint/2010/main" val="1266687130"/>
       </p:ext>
     </p:extLst>
   </p:cSld>
@@ -1324,8 +1331,8 @@
         </p:nvSpPr>
         <p:spPr>
           <a:xfrm>
-            <a:off x="503873" y="496301"/>
-            <a:ext cx="6309360" cy="1801784"/>
+            <a:off x="629841" y="230993"/>
+            <a:ext cx="7886700" cy="838603"/>
           </a:xfrm>
         </p:spPr>
         <p:txBody>
@@ -1352,8 +1359,8 @@
         </p:nvSpPr>
         <p:spPr>
           <a:xfrm>
-            <a:off x="503874" y="2285136"/>
-            <a:ext cx="3094672" cy="1119910"/>
+            <a:off x="629842" y="1063569"/>
+            <a:ext cx="3868340" cy="521239"/>
           </a:xfrm>
         </p:spPr>
         <p:txBody>
@@ -1361,39 +1368,39 @@
           <a:lstStyle>
             <a:lvl1pPr marL="0" indent="0">
               <a:buNone/>
-              <a:defRPr sz="1920" b="1"/>
+              <a:defRPr sz="1518" b="1"/>
             </a:lvl1pPr>
-            <a:lvl2pPr marL="365760" indent="0">
-              <a:buNone/>
-              <a:defRPr sz="1600" b="1"/>
+            <a:lvl2pPr marL="289225" indent="0">
+              <a:buNone/>
+              <a:defRPr sz="1265" b="1"/>
             </a:lvl2pPr>
-            <a:lvl3pPr marL="731520" indent="0">
-              <a:buNone/>
-              <a:defRPr sz="1440" b="1"/>
+            <a:lvl3pPr marL="578449" indent="0">
+              <a:buNone/>
+              <a:defRPr sz="1139" b="1"/>
             </a:lvl3pPr>
-            <a:lvl4pPr marL="1097280" indent="0">
-              <a:buNone/>
-              <a:defRPr sz="1280" b="1"/>
+            <a:lvl4pPr marL="867674" indent="0">
+              <a:buNone/>
+              <a:defRPr sz="1012" b="1"/>
             </a:lvl4pPr>
-            <a:lvl5pPr marL="1463040" indent="0">
-              <a:buNone/>
-              <a:defRPr sz="1280" b="1"/>
+            <a:lvl5pPr marL="1156899" indent="0">
+              <a:buNone/>
+              <a:defRPr sz="1012" b="1"/>
             </a:lvl5pPr>
-            <a:lvl6pPr marL="1828800" indent="0">
-              <a:buNone/>
-              <a:defRPr sz="1280" b="1"/>
+            <a:lvl6pPr marL="1446124" indent="0">
+              <a:buNone/>
+              <a:defRPr sz="1012" b="1"/>
             </a:lvl6pPr>
-            <a:lvl7pPr marL="2194560" indent="0">
-              <a:buNone/>
-              <a:defRPr sz="1280" b="1"/>
+            <a:lvl7pPr marL="1735348" indent="0">
+              <a:buNone/>
+              <a:defRPr sz="1012" b="1"/>
             </a:lvl7pPr>
-            <a:lvl8pPr marL="2560320" indent="0">
-              <a:buNone/>
-              <a:defRPr sz="1280" b="1"/>
+            <a:lvl8pPr marL="2024573" indent="0">
+              <a:buNone/>
+              <a:defRPr sz="1012" b="1"/>
             </a:lvl8pPr>
-            <a:lvl9pPr marL="2926080" indent="0">
-              <a:buNone/>
-              <a:defRPr sz="1280" b="1"/>
+            <a:lvl9pPr marL="2313798" indent="0">
+              <a:buNone/>
+              <a:defRPr sz="1012" b="1"/>
             </a:lvl9pPr>
           </a:lstStyle>
           <a:p>
@@ -1417,8 +1424,8 @@
         </p:nvSpPr>
         <p:spPr>
           <a:xfrm>
-            <a:off x="503874" y="3405047"/>
-            <a:ext cx="3094672" cy="5008310"/>
+            <a:off x="629842" y="1584808"/>
+            <a:ext cx="3868340" cy="2331014"/>
           </a:xfrm>
         </p:spPr>
         <p:txBody>
@@ -1474,8 +1481,8 @@
         </p:nvSpPr>
         <p:spPr>
           <a:xfrm>
-            <a:off x="3703320" y="2285136"/>
-            <a:ext cx="3109913" cy="1119910"/>
+            <a:off x="4629150" y="1063569"/>
+            <a:ext cx="3887391" cy="521239"/>
           </a:xfrm>
         </p:spPr>
         <p:txBody>
@@ -1483,39 +1490,39 @@
           <a:lstStyle>
             <a:lvl1pPr marL="0" indent="0">
               <a:buNone/>
-              <a:defRPr sz="1920" b="1"/>
+              <a:defRPr sz="1518" b="1"/>
             </a:lvl1pPr>
-            <a:lvl2pPr marL="365760" indent="0">
-              <a:buNone/>
-              <a:defRPr sz="1600" b="1"/>
+            <a:lvl2pPr marL="289225" indent="0">
+              <a:buNone/>
+              <a:defRPr sz="1265" b="1"/>
             </a:lvl2pPr>
-            <a:lvl3pPr marL="731520" indent="0">
-              <a:buNone/>
-              <a:defRPr sz="1440" b="1"/>
+            <a:lvl3pPr marL="578449" indent="0">
+              <a:buNone/>
+              <a:defRPr sz="1139" b="1"/>
             </a:lvl3pPr>
-            <a:lvl4pPr marL="1097280" indent="0">
-              <a:buNone/>
-              <a:defRPr sz="1280" b="1"/>
+            <a:lvl4pPr marL="867674" indent="0">
+              <a:buNone/>
+              <a:defRPr sz="1012" b="1"/>
             </a:lvl4pPr>
-            <a:lvl5pPr marL="1463040" indent="0">
-              <a:buNone/>
-              <a:defRPr sz="1280" b="1"/>
+            <a:lvl5pPr marL="1156899" indent="0">
+              <a:buNone/>
+              <a:defRPr sz="1012" b="1"/>
             </a:lvl5pPr>
-            <a:lvl6pPr marL="1828800" indent="0">
-              <a:buNone/>
-              <a:defRPr sz="1280" b="1"/>
+            <a:lvl6pPr marL="1446124" indent="0">
+              <a:buNone/>
+              <a:defRPr sz="1012" b="1"/>
             </a:lvl6pPr>
-            <a:lvl7pPr marL="2194560" indent="0">
-              <a:buNone/>
-              <a:defRPr sz="1280" b="1"/>
+            <a:lvl7pPr marL="1735348" indent="0">
+              <a:buNone/>
+              <a:defRPr sz="1012" b="1"/>
             </a:lvl7pPr>
-            <a:lvl8pPr marL="2560320" indent="0">
-              <a:buNone/>
-              <a:defRPr sz="1280" b="1"/>
+            <a:lvl8pPr marL="2024573" indent="0">
+              <a:buNone/>
+              <a:defRPr sz="1012" b="1"/>
             </a:lvl8pPr>
-            <a:lvl9pPr marL="2926080" indent="0">
-              <a:buNone/>
-              <a:defRPr sz="1280" b="1"/>
+            <a:lvl9pPr marL="2313798" indent="0">
+              <a:buNone/>
+              <a:defRPr sz="1012" b="1"/>
             </a:lvl9pPr>
           </a:lstStyle>
           <a:p>
@@ -1539,8 +1546,8 @@
         </p:nvSpPr>
         <p:spPr>
           <a:xfrm>
-            <a:off x="3703320" y="3405047"/>
-            <a:ext cx="3109913" cy="5008310"/>
+            <a:off x="4629150" y="1584808"/>
+            <a:ext cx="3887391" cy="2331014"/>
           </a:xfrm>
         </p:spPr>
         <p:txBody>
@@ -1599,9 +1606,9 @@
           <a:bodyPr/>
           <a:lstStyle/>
           <a:p>
-            <a:fld id="{D20F9C60-C75C-2344-ADD7-BEB6F1FB8696}" type="datetimeFigureOut">
+            <a:fld id="{B3FD49CD-0034-0441-84C5-BD61FA025A57}" type="datetimeFigureOut">
               <a:rPr lang="en-US" smtClean="0"/>
-              <a:t>2/29/20</a:t>
+              <a:t>7/24/20</a:t>
             </a:fld>
             <a:endParaRPr lang="en-US"/>
           </a:p>
@@ -1641,7 +1648,7 @@
           <a:bodyPr/>
           <a:lstStyle/>
           <a:p>
-            <a:fld id="{50A6DB94-3934-1241-B6AA-C2377CAD40C3}" type="slidenum">
+            <a:fld id="{FBC658B5-A350-DE4B-8B29-42402953F3E0}" type="slidenum">
               <a:rPr lang="en-US" smtClean="0"/>
               <a:t>‹#›</a:t>
             </a:fld>
@@ -1652,7 +1659,7 @@
     </p:spTree>
     <p:extLst>
       <p:ext uri="{BB962C8B-B14F-4D97-AF65-F5344CB8AC3E}">
-        <p14:creationId xmlns:p14="http://schemas.microsoft.com/office/powerpoint/2010/main" val="2262234004"/>
+        <p14:creationId xmlns:p14="http://schemas.microsoft.com/office/powerpoint/2010/main" val="1814032100"/>
       </p:ext>
     </p:extLst>
   </p:cSld>
@@ -1717,9 +1724,9 @@
           <a:bodyPr/>
           <a:lstStyle/>
           <a:p>
-            <a:fld id="{D20F9C60-C75C-2344-ADD7-BEB6F1FB8696}" type="datetimeFigureOut">
+            <a:fld id="{B3FD49CD-0034-0441-84C5-BD61FA025A57}" type="datetimeFigureOut">
               <a:rPr lang="en-US" smtClean="0"/>
-              <a:t>2/29/20</a:t>
+              <a:t>7/24/20</a:t>
             </a:fld>
             <a:endParaRPr lang="en-US"/>
           </a:p>
@@ -1759,7 +1766,7 @@
           <a:bodyPr/>
           <a:lstStyle/>
           <a:p>
-            <a:fld id="{50A6DB94-3934-1241-B6AA-C2377CAD40C3}" type="slidenum">
+            <a:fld id="{FBC658B5-A350-DE4B-8B29-42402953F3E0}" type="slidenum">
               <a:rPr lang="en-US" smtClean="0"/>
               <a:t>‹#›</a:t>
             </a:fld>
@@ -1770,7 +1777,7 @@
     </p:spTree>
     <p:extLst>
       <p:ext uri="{BB962C8B-B14F-4D97-AF65-F5344CB8AC3E}">
-        <p14:creationId xmlns:p14="http://schemas.microsoft.com/office/powerpoint/2010/main" val="1061505815"/>
+        <p14:creationId xmlns:p14="http://schemas.microsoft.com/office/powerpoint/2010/main" val="1646549506"/>
       </p:ext>
     </p:extLst>
   </p:cSld>
@@ -1812,9 +1819,9 @@
           <a:bodyPr/>
           <a:lstStyle/>
           <a:p>
-            <a:fld id="{D20F9C60-C75C-2344-ADD7-BEB6F1FB8696}" type="datetimeFigureOut">
+            <a:fld id="{B3FD49CD-0034-0441-84C5-BD61FA025A57}" type="datetimeFigureOut">
               <a:rPr lang="en-US" smtClean="0"/>
-              <a:t>2/29/20</a:t>
+              <a:t>7/24/20</a:t>
             </a:fld>
             <a:endParaRPr lang="en-US"/>
           </a:p>
@@ -1854,7 +1861,7 @@
           <a:bodyPr/>
           <a:lstStyle/>
           <a:p>
-            <a:fld id="{50A6DB94-3934-1241-B6AA-C2377CAD40C3}" type="slidenum">
+            <a:fld id="{FBC658B5-A350-DE4B-8B29-42402953F3E0}" type="slidenum">
               <a:rPr lang="en-US" smtClean="0"/>
               <a:t>‹#›</a:t>
             </a:fld>
@@ -1865,7 +1872,7 @@
     </p:spTree>
     <p:extLst>
       <p:ext uri="{BB962C8B-B14F-4D97-AF65-F5344CB8AC3E}">
-        <p14:creationId xmlns:p14="http://schemas.microsoft.com/office/powerpoint/2010/main" val="980676283"/>
+        <p14:creationId xmlns:p14="http://schemas.microsoft.com/office/powerpoint/2010/main" val="2253567405"/>
       </p:ext>
     </p:extLst>
   </p:cSld>
@@ -1904,15 +1911,15 @@
         </p:nvSpPr>
         <p:spPr>
           <a:xfrm>
-            <a:off x="503873" y="621453"/>
-            <a:ext cx="2359342" cy="2175087"/>
+            <a:off x="629841" y="289242"/>
+            <a:ext cx="2949178" cy="1012349"/>
           </a:xfrm>
         </p:spPr>
         <p:txBody>
           <a:bodyPr anchor="b"/>
           <a:lstStyle>
             <a:lvl1pPr>
-              <a:defRPr sz="2560"/>
+              <a:defRPr sz="2024"/>
             </a:lvl1pPr>
           </a:lstStyle>
           <a:p>
@@ -1936,39 +1943,39 @@
         </p:nvSpPr>
         <p:spPr>
           <a:xfrm>
-            <a:off x="3109913" y="1342169"/>
-            <a:ext cx="3703320" cy="6624520"/>
+            <a:off x="3887391" y="624684"/>
+            <a:ext cx="4629150" cy="3083245"/>
           </a:xfrm>
         </p:spPr>
         <p:txBody>
           <a:bodyPr/>
           <a:lstStyle>
             <a:lvl1pPr>
-              <a:defRPr sz="2560"/>
+              <a:defRPr sz="2024"/>
             </a:lvl1pPr>
             <a:lvl2pPr>
-              <a:defRPr sz="2240"/>
+              <a:defRPr sz="1771"/>
             </a:lvl2pPr>
             <a:lvl3pPr>
-              <a:defRPr sz="1920"/>
+              <a:defRPr sz="1518"/>
             </a:lvl3pPr>
             <a:lvl4pPr>
-              <a:defRPr sz="1600"/>
+              <a:defRPr sz="1265"/>
             </a:lvl4pPr>
             <a:lvl5pPr>
-              <a:defRPr sz="1600"/>
+              <a:defRPr sz="1265"/>
             </a:lvl5pPr>
             <a:lvl6pPr>
-              <a:defRPr sz="1600"/>
+              <a:defRPr sz="1265"/>
             </a:lvl6pPr>
             <a:lvl7pPr>
-              <a:defRPr sz="1600"/>
+              <a:defRPr sz="1265"/>
             </a:lvl7pPr>
             <a:lvl8pPr>
-              <a:defRPr sz="1600"/>
+              <a:defRPr sz="1265"/>
             </a:lvl8pPr>
             <a:lvl9pPr>
-              <a:defRPr sz="1600"/>
+              <a:defRPr sz="1265"/>
             </a:lvl9pPr>
           </a:lstStyle>
           <a:p>
@@ -2021,8 +2028,8 @@
         </p:nvSpPr>
         <p:spPr>
           <a:xfrm>
-            <a:off x="503873" y="2796540"/>
-            <a:ext cx="2359342" cy="5180936"/>
+            <a:off x="629841" y="1301591"/>
+            <a:ext cx="2949178" cy="2411359"/>
           </a:xfrm>
         </p:spPr>
         <p:txBody>
@@ -2030,39 +2037,39 @@
           <a:lstStyle>
             <a:lvl1pPr marL="0" indent="0">
               <a:buNone/>
-              <a:defRPr sz="1280"/>
+              <a:defRPr sz="1012"/>
             </a:lvl1pPr>
-            <a:lvl2pPr marL="365760" indent="0">
-              <a:buNone/>
-              <a:defRPr sz="1120"/>
+            <a:lvl2pPr marL="289225" indent="0">
+              <a:buNone/>
+              <a:defRPr sz="886"/>
             </a:lvl2pPr>
-            <a:lvl3pPr marL="731520" indent="0">
-              <a:buNone/>
-              <a:defRPr sz="960"/>
+            <a:lvl3pPr marL="578449" indent="0">
+              <a:buNone/>
+              <a:defRPr sz="759"/>
             </a:lvl3pPr>
-            <a:lvl4pPr marL="1097280" indent="0">
-              <a:buNone/>
-              <a:defRPr sz="800"/>
+            <a:lvl4pPr marL="867674" indent="0">
+              <a:buNone/>
+              <a:defRPr sz="633"/>
             </a:lvl4pPr>
-            <a:lvl5pPr marL="1463040" indent="0">
-              <a:buNone/>
-              <a:defRPr sz="800"/>
+            <a:lvl5pPr marL="1156899" indent="0">
+              <a:buNone/>
+              <a:defRPr sz="633"/>
             </a:lvl5pPr>
-            <a:lvl6pPr marL="1828800" indent="0">
-              <a:buNone/>
-              <a:defRPr sz="800"/>
+            <a:lvl6pPr marL="1446124" indent="0">
+              <a:buNone/>
+              <a:defRPr sz="633"/>
             </a:lvl6pPr>
-            <a:lvl7pPr marL="2194560" indent="0">
-              <a:buNone/>
-              <a:defRPr sz="800"/>
+            <a:lvl7pPr marL="1735348" indent="0">
+              <a:buNone/>
+              <a:defRPr sz="633"/>
             </a:lvl7pPr>
-            <a:lvl8pPr marL="2560320" indent="0">
-              <a:buNone/>
-              <a:defRPr sz="800"/>
+            <a:lvl8pPr marL="2024573" indent="0">
+              <a:buNone/>
+              <a:defRPr sz="633"/>
             </a:lvl8pPr>
-            <a:lvl9pPr marL="2926080" indent="0">
-              <a:buNone/>
-              <a:defRPr sz="800"/>
+            <a:lvl9pPr marL="2313798" indent="0">
+              <a:buNone/>
+              <a:defRPr sz="633"/>
             </a:lvl9pPr>
           </a:lstStyle>
           <a:p>
@@ -2089,9 +2096,9 @@
           <a:bodyPr/>
           <a:lstStyle/>
           <a:p>
-            <a:fld id="{D20F9C60-C75C-2344-ADD7-BEB6F1FB8696}" type="datetimeFigureOut">
+            <a:fld id="{B3FD49CD-0034-0441-84C5-BD61FA025A57}" type="datetimeFigureOut">
               <a:rPr lang="en-US" smtClean="0"/>
-              <a:t>2/29/20</a:t>
+              <a:t>7/24/20</a:t>
             </a:fld>
             <a:endParaRPr lang="en-US"/>
           </a:p>
@@ -2131,7 +2138,7 @@
           <a:bodyPr/>
           <a:lstStyle/>
           <a:p>
-            <a:fld id="{50A6DB94-3934-1241-B6AA-C2377CAD40C3}" type="slidenum">
+            <a:fld id="{FBC658B5-A350-DE4B-8B29-42402953F3E0}" type="slidenum">
               <a:rPr lang="en-US" smtClean="0"/>
               <a:t>‹#›</a:t>
             </a:fld>
@@ -2142,7 +2149,7 @@
     </p:spTree>
     <p:extLst>
       <p:ext uri="{BB962C8B-B14F-4D97-AF65-F5344CB8AC3E}">
-        <p14:creationId xmlns:p14="http://schemas.microsoft.com/office/powerpoint/2010/main" val="1903780366"/>
+        <p14:creationId xmlns:p14="http://schemas.microsoft.com/office/powerpoint/2010/main" val="2777040713"/>
       </p:ext>
     </p:extLst>
   </p:cSld>
@@ -2181,15 +2188,15 @@
         </p:nvSpPr>
         <p:spPr>
           <a:xfrm>
-            <a:off x="503873" y="621453"/>
-            <a:ext cx="2359342" cy="2175087"/>
+            <a:off x="629841" y="289242"/>
+            <a:ext cx="2949178" cy="1012349"/>
           </a:xfrm>
         </p:spPr>
         <p:txBody>
           <a:bodyPr anchor="b"/>
           <a:lstStyle>
             <a:lvl1pPr>
-              <a:defRPr sz="2560"/>
+              <a:defRPr sz="2024"/>
             </a:lvl1pPr>
           </a:lstStyle>
           <a:p>
@@ -2213,8 +2220,8 @@
         </p:nvSpPr>
         <p:spPr>
           <a:xfrm>
-            <a:off x="3109913" y="1342169"/>
-            <a:ext cx="3703320" cy="6624520"/>
+            <a:off x="3887391" y="624684"/>
+            <a:ext cx="4629150" cy="3083245"/>
           </a:xfrm>
         </p:spPr>
         <p:txBody>
@@ -2222,39 +2229,39 @@
           <a:lstStyle>
             <a:lvl1pPr marL="0" indent="0">
               <a:buNone/>
-              <a:defRPr sz="2560"/>
+              <a:defRPr sz="2024"/>
             </a:lvl1pPr>
-            <a:lvl2pPr marL="365760" indent="0">
-              <a:buNone/>
-              <a:defRPr sz="2240"/>
+            <a:lvl2pPr marL="289225" indent="0">
+              <a:buNone/>
+              <a:defRPr sz="1771"/>
             </a:lvl2pPr>
-            <a:lvl3pPr marL="731520" indent="0">
-              <a:buNone/>
-              <a:defRPr sz="1920"/>
+            <a:lvl3pPr marL="578449" indent="0">
+              <a:buNone/>
+              <a:defRPr sz="1518"/>
             </a:lvl3pPr>
-            <a:lvl4pPr marL="1097280" indent="0">
-              <a:buNone/>
-              <a:defRPr sz="1600"/>
+            <a:lvl4pPr marL="867674" indent="0">
+              <a:buNone/>
+              <a:defRPr sz="1265"/>
             </a:lvl4pPr>
-            <a:lvl5pPr marL="1463040" indent="0">
-              <a:buNone/>
-              <a:defRPr sz="1600"/>
+            <a:lvl5pPr marL="1156899" indent="0">
+              <a:buNone/>
+              <a:defRPr sz="1265"/>
             </a:lvl5pPr>
-            <a:lvl6pPr marL="1828800" indent="0">
-              <a:buNone/>
-              <a:defRPr sz="1600"/>
+            <a:lvl6pPr marL="1446124" indent="0">
+              <a:buNone/>
+              <a:defRPr sz="1265"/>
             </a:lvl6pPr>
-            <a:lvl7pPr marL="2194560" indent="0">
-              <a:buNone/>
-              <a:defRPr sz="1600"/>
+            <a:lvl7pPr marL="1735348" indent="0">
+              <a:buNone/>
+              <a:defRPr sz="1265"/>
             </a:lvl7pPr>
-            <a:lvl8pPr marL="2560320" indent="0">
-              <a:buNone/>
-              <a:defRPr sz="1600"/>
+            <a:lvl8pPr marL="2024573" indent="0">
+              <a:buNone/>
+              <a:defRPr sz="1265"/>
             </a:lvl8pPr>
-            <a:lvl9pPr marL="2926080" indent="0">
-              <a:buNone/>
-              <a:defRPr sz="1600"/>
+            <a:lvl9pPr marL="2313798" indent="0">
+              <a:buNone/>
+              <a:defRPr sz="1265"/>
             </a:lvl9pPr>
           </a:lstStyle>
           <a:p>
@@ -2278,8 +2285,8 @@
         </p:nvSpPr>
         <p:spPr>
           <a:xfrm>
-            <a:off x="503873" y="2796540"/>
-            <a:ext cx="2359342" cy="5180936"/>
+            <a:off x="629841" y="1301591"/>
+            <a:ext cx="2949178" cy="2411359"/>
           </a:xfrm>
         </p:spPr>
         <p:txBody>
@@ -2287,39 +2294,39 @@
           <a:lstStyle>
             <a:lvl1pPr marL="0" indent="0">
               <a:buNone/>
-              <a:defRPr sz="1280"/>
+              <a:defRPr sz="1012"/>
             </a:lvl1pPr>
-            <a:lvl2pPr marL="365760" indent="0">
-              <a:buNone/>
-              <a:defRPr sz="1120"/>
+            <a:lvl2pPr marL="289225" indent="0">
+              <a:buNone/>
+              <a:defRPr sz="886"/>
             </a:lvl2pPr>
-            <a:lvl3pPr marL="731520" indent="0">
-              <a:buNone/>
-              <a:defRPr sz="960"/>
+            <a:lvl3pPr marL="578449" indent="0">
+              <a:buNone/>
+              <a:defRPr sz="759"/>
             </a:lvl3pPr>
-            <a:lvl4pPr marL="1097280" indent="0">
-              <a:buNone/>
-              <a:defRPr sz="800"/>
+            <a:lvl4pPr marL="867674" indent="0">
+              <a:buNone/>
+              <a:defRPr sz="633"/>
             </a:lvl4pPr>
-            <a:lvl5pPr marL="1463040" indent="0">
-              <a:buNone/>
-              <a:defRPr sz="800"/>
+            <a:lvl5pPr marL="1156899" indent="0">
+              <a:buNone/>
+              <a:defRPr sz="633"/>
             </a:lvl5pPr>
-            <a:lvl6pPr marL="1828800" indent="0">
-              <a:buNone/>
-              <a:defRPr sz="800"/>
+            <a:lvl6pPr marL="1446124" indent="0">
+              <a:buNone/>
+              <a:defRPr sz="633"/>
             </a:lvl6pPr>
-            <a:lvl7pPr marL="2194560" indent="0">
-              <a:buNone/>
-              <a:defRPr sz="800"/>
+            <a:lvl7pPr marL="1735348" indent="0">
+              <a:buNone/>
+              <a:defRPr sz="633"/>
             </a:lvl7pPr>
-            <a:lvl8pPr marL="2560320" indent="0">
-              <a:buNone/>
-              <a:defRPr sz="800"/>
+            <a:lvl8pPr marL="2024573" indent="0">
+              <a:buNone/>
+              <a:defRPr sz="633"/>
             </a:lvl8pPr>
-            <a:lvl9pPr marL="2926080" indent="0">
-              <a:buNone/>
-              <a:defRPr sz="800"/>
+            <a:lvl9pPr marL="2313798" indent="0">
+              <a:buNone/>
+              <a:defRPr sz="633"/>
             </a:lvl9pPr>
           </a:lstStyle>
           <a:p>
@@ -2346,9 +2353,9 @@
           <a:bodyPr/>
           <a:lstStyle/>
           <a:p>
-            <a:fld id="{D20F9C60-C75C-2344-ADD7-BEB6F1FB8696}" type="datetimeFigureOut">
+            <a:fld id="{B3FD49CD-0034-0441-84C5-BD61FA025A57}" type="datetimeFigureOut">
               <a:rPr lang="en-US" smtClean="0"/>
-              <a:t>2/29/20</a:t>
+              <a:t>7/24/20</a:t>
             </a:fld>
             <a:endParaRPr lang="en-US"/>
           </a:p>
@@ -2388,7 +2395,7 @@
           <a:bodyPr/>
           <a:lstStyle/>
           <a:p>
-            <a:fld id="{50A6DB94-3934-1241-B6AA-C2377CAD40C3}" type="slidenum">
+            <a:fld id="{FBC658B5-A350-DE4B-8B29-42402953F3E0}" type="slidenum">
               <a:rPr lang="en-US" smtClean="0"/>
               <a:t>‹#›</a:t>
             </a:fld>
@@ -2399,7 +2406,7 @@
     </p:spTree>
     <p:extLst>
       <p:ext uri="{BB962C8B-B14F-4D97-AF65-F5344CB8AC3E}">
-        <p14:creationId xmlns:p14="http://schemas.microsoft.com/office/powerpoint/2010/main" val="3420429185"/>
+        <p14:creationId xmlns:p14="http://schemas.microsoft.com/office/powerpoint/2010/main" val="25067358"/>
       </p:ext>
     </p:extLst>
   </p:cSld>
@@ -2443,8 +2450,8 @@
         </p:nvSpPr>
         <p:spPr>
           <a:xfrm>
-            <a:off x="502920" y="496301"/>
-            <a:ext cx="6309360" cy="1801784"/>
+            <a:off x="628650" y="230993"/>
+            <a:ext cx="7886700" cy="838603"/>
           </a:xfrm>
           <a:prstGeom prst="rect">
             <a:avLst/>
@@ -2476,8 +2483,8 @@
         </p:nvSpPr>
         <p:spPr>
           <a:xfrm>
-            <a:off x="502920" y="2481498"/>
-            <a:ext cx="6309360" cy="5914596"/>
+            <a:off x="628650" y="1154961"/>
+            <a:ext cx="7886700" cy="2752826"/>
           </a:xfrm>
           <a:prstGeom prst="rect">
             <a:avLst/>
@@ -2538,8 +2545,8 @@
         </p:nvSpPr>
         <p:spPr>
           <a:xfrm>
-            <a:off x="502920" y="8639929"/>
-            <a:ext cx="1645920" cy="496300"/>
+            <a:off x="628650" y="4021275"/>
+            <a:ext cx="2057400" cy="230992"/>
           </a:xfrm>
           <a:prstGeom prst="rect">
             <a:avLst/>
@@ -2549,7 +2556,7 @@
           <a:bodyPr vert="horz" lIns="91440" tIns="45720" rIns="91440" bIns="45720" rtlCol="0" anchor="ctr"/>
           <a:lstStyle>
             <a:lvl1pPr algn="l">
-              <a:defRPr sz="960">
+              <a:defRPr sz="759">
                 <a:solidFill>
                   <a:schemeClr val="tx1">
                     <a:tint val="75000"/>
@@ -2559,9 +2566,9 @@
             </a:lvl1pPr>
           </a:lstStyle>
           <a:p>
-            <a:fld id="{D20F9C60-C75C-2344-ADD7-BEB6F1FB8696}" type="datetimeFigureOut">
+            <a:fld id="{B3FD49CD-0034-0441-84C5-BD61FA025A57}" type="datetimeFigureOut">
               <a:rPr lang="en-US" smtClean="0"/>
-              <a:t>2/29/20</a:t>
+              <a:t>7/24/20</a:t>
             </a:fld>
             <a:endParaRPr lang="en-US"/>
           </a:p>
@@ -2579,8 +2586,8 @@
         </p:nvSpPr>
         <p:spPr>
           <a:xfrm>
-            <a:off x="2423160" y="8639929"/>
-            <a:ext cx="2468880" cy="496300"/>
+            <a:off x="3028950" y="4021275"/>
+            <a:ext cx="3086100" cy="230992"/>
           </a:xfrm>
           <a:prstGeom prst="rect">
             <a:avLst/>
@@ -2590,7 +2597,7 @@
           <a:bodyPr vert="horz" lIns="91440" tIns="45720" rIns="91440" bIns="45720" rtlCol="0" anchor="ctr"/>
           <a:lstStyle>
             <a:lvl1pPr algn="ctr">
-              <a:defRPr sz="960">
+              <a:defRPr sz="759">
                 <a:solidFill>
                   <a:schemeClr val="tx1">
                     <a:tint val="75000"/>
@@ -2616,8 +2623,8 @@
         </p:nvSpPr>
         <p:spPr>
           <a:xfrm>
-            <a:off x="5166360" y="8639929"/>
-            <a:ext cx="1645920" cy="496300"/>
+            <a:off x="6457950" y="4021275"/>
+            <a:ext cx="2057400" cy="230992"/>
           </a:xfrm>
           <a:prstGeom prst="rect">
             <a:avLst/>
@@ -2627,7 +2634,7 @@
           <a:bodyPr vert="horz" lIns="91440" tIns="45720" rIns="91440" bIns="45720" rtlCol="0" anchor="ctr"/>
           <a:lstStyle>
             <a:lvl1pPr algn="r">
-              <a:defRPr sz="960">
+              <a:defRPr sz="759">
                 <a:solidFill>
                   <a:schemeClr val="tx1">
                     <a:tint val="75000"/>
@@ -2637,7 +2644,7 @@
             </a:lvl1pPr>
           </a:lstStyle>
           <a:p>
-            <a:fld id="{50A6DB94-3934-1241-B6AA-C2377CAD40C3}" type="slidenum">
+            <a:fld id="{FBC658B5-A350-DE4B-8B29-42402953F3E0}" type="slidenum">
               <a:rPr lang="en-US" smtClean="0"/>
               <a:t>‹#›</a:t>
             </a:fld>
@@ -2648,27 +2655,27 @@
     </p:spTree>
     <p:extLst>
       <p:ext uri="{BB962C8B-B14F-4D97-AF65-F5344CB8AC3E}">
-        <p14:creationId xmlns:p14="http://schemas.microsoft.com/office/powerpoint/2010/main" val="3452129541"/>
+        <p14:creationId xmlns:p14="http://schemas.microsoft.com/office/powerpoint/2010/main" val="2732485425"/>
       </p:ext>
     </p:extLst>
   </p:cSld>
   <p:clrMap bg1="lt1" tx1="dk1" bg2="lt2" tx2="dk2" accent1="accent1" accent2="accent2" accent3="accent3" accent4="accent4" accent5="accent5" accent6="accent6" hlink="hlink" folHlink="folHlink"/>
   <p:sldLayoutIdLst>
-    <p:sldLayoutId id="2147483685" r:id="rId1"/>
-    <p:sldLayoutId id="2147483686" r:id="rId2"/>
-    <p:sldLayoutId id="2147483687" r:id="rId3"/>
-    <p:sldLayoutId id="2147483688" r:id="rId4"/>
-    <p:sldLayoutId id="2147483689" r:id="rId5"/>
-    <p:sldLayoutId id="2147483690" r:id="rId6"/>
-    <p:sldLayoutId id="2147483691" r:id="rId7"/>
-    <p:sldLayoutId id="2147483692" r:id="rId8"/>
-    <p:sldLayoutId id="2147483693" r:id="rId9"/>
-    <p:sldLayoutId id="2147483694" r:id="rId10"/>
-    <p:sldLayoutId id="2147483695" r:id="rId11"/>
+    <p:sldLayoutId id="2147483673" r:id="rId1"/>
+    <p:sldLayoutId id="2147483674" r:id="rId2"/>
+    <p:sldLayoutId id="2147483675" r:id="rId3"/>
+    <p:sldLayoutId id="2147483676" r:id="rId4"/>
+    <p:sldLayoutId id="2147483677" r:id="rId5"/>
+    <p:sldLayoutId id="2147483678" r:id="rId6"/>
+    <p:sldLayoutId id="2147483679" r:id="rId7"/>
+    <p:sldLayoutId id="2147483680" r:id="rId8"/>
+    <p:sldLayoutId id="2147483681" r:id="rId9"/>
+    <p:sldLayoutId id="2147483682" r:id="rId10"/>
+    <p:sldLayoutId id="2147483683" r:id="rId11"/>
   </p:sldLayoutIdLst>
   <p:txStyles>
     <p:titleStyle>
-      <a:lvl1pPr algn="l" defTabSz="731520" rtl="0" eaLnBrk="1" latinLnBrk="0" hangingPunct="1">
+      <a:lvl1pPr algn="l" defTabSz="578449" rtl="0" eaLnBrk="1" latinLnBrk="0" hangingPunct="1">
         <a:lnSpc>
           <a:spcPct val="90000"/>
         </a:lnSpc>
@@ -2676,7 +2683,7 @@
           <a:spcPct val="0"/>
         </a:spcBef>
         <a:buNone/>
-        <a:defRPr sz="3520" kern="1200">
+        <a:defRPr sz="2783" kern="1200">
           <a:solidFill>
             <a:schemeClr val="tx1"/>
           </a:solidFill>
@@ -2687,16 +2694,16 @@
       </a:lvl1pPr>
     </p:titleStyle>
     <p:bodyStyle>
-      <a:lvl1pPr marL="182880" indent="-182880" algn="l" defTabSz="731520" rtl="0" eaLnBrk="1" latinLnBrk="0" hangingPunct="1">
+      <a:lvl1pPr marL="144612" indent="-144612" algn="l" defTabSz="578449" rtl="0" eaLnBrk="1" latinLnBrk="0" hangingPunct="1">
         <a:lnSpc>
           <a:spcPct val="90000"/>
         </a:lnSpc>
         <a:spcBef>
-          <a:spcPts val="800"/>
+          <a:spcPts val="633"/>
         </a:spcBef>
         <a:buFont typeface="Arial" panose="020B0604020202020204" pitchFamily="34" charset="0"/>
         <a:buChar char="•"/>
-        <a:defRPr sz="2240" kern="1200">
+        <a:defRPr sz="1771" kern="1200">
           <a:solidFill>
             <a:schemeClr val="tx1"/>
           </a:solidFill>
@@ -2705,16 +2712,16 @@
           <a:cs typeface="+mn-cs"/>
         </a:defRPr>
       </a:lvl1pPr>
-      <a:lvl2pPr marL="548640" indent="-182880" algn="l" defTabSz="731520" rtl="0" eaLnBrk="1" latinLnBrk="0" hangingPunct="1">
+      <a:lvl2pPr marL="433837" indent="-144612" algn="l" defTabSz="578449" rtl="0" eaLnBrk="1" latinLnBrk="0" hangingPunct="1">
         <a:lnSpc>
           <a:spcPct val="90000"/>
         </a:lnSpc>
         <a:spcBef>
-          <a:spcPts val="400"/>
+          <a:spcPts val="316"/>
         </a:spcBef>
         <a:buFont typeface="Arial" panose="020B0604020202020204" pitchFamily="34" charset="0"/>
         <a:buChar char="•"/>
-        <a:defRPr sz="1920" kern="1200">
+        <a:defRPr sz="1518" kern="1200">
           <a:solidFill>
             <a:schemeClr val="tx1"/>
           </a:solidFill>
@@ -2723,16 +2730,16 @@
           <a:cs typeface="+mn-cs"/>
         </a:defRPr>
       </a:lvl2pPr>
-      <a:lvl3pPr marL="914400" indent="-182880" algn="l" defTabSz="731520" rtl="0" eaLnBrk="1" latinLnBrk="0" hangingPunct="1">
+      <a:lvl3pPr marL="723062" indent="-144612" algn="l" defTabSz="578449" rtl="0" eaLnBrk="1" latinLnBrk="0" hangingPunct="1">
         <a:lnSpc>
           <a:spcPct val="90000"/>
         </a:lnSpc>
         <a:spcBef>
-          <a:spcPts val="400"/>
+          <a:spcPts val="316"/>
         </a:spcBef>
         <a:buFont typeface="Arial" panose="020B0604020202020204" pitchFamily="34" charset="0"/>
         <a:buChar char="•"/>
-        <a:defRPr sz="1600" kern="1200">
+        <a:defRPr sz="1265" kern="1200">
           <a:solidFill>
             <a:schemeClr val="tx1"/>
           </a:solidFill>
@@ -2741,16 +2748,16 @@
           <a:cs typeface="+mn-cs"/>
         </a:defRPr>
       </a:lvl3pPr>
-      <a:lvl4pPr marL="1280160" indent="-182880" algn="l" defTabSz="731520" rtl="0" eaLnBrk="1" latinLnBrk="0" hangingPunct="1">
+      <a:lvl4pPr marL="1012287" indent="-144612" algn="l" defTabSz="578449" rtl="0" eaLnBrk="1" latinLnBrk="0" hangingPunct="1">
         <a:lnSpc>
           <a:spcPct val="90000"/>
         </a:lnSpc>
         <a:spcBef>
-          <a:spcPts val="400"/>
+          <a:spcPts val="316"/>
         </a:spcBef>
         <a:buFont typeface="Arial" panose="020B0604020202020204" pitchFamily="34" charset="0"/>
         <a:buChar char="•"/>
-        <a:defRPr sz="1440" kern="1200">
+        <a:defRPr sz="1139" kern="1200">
           <a:solidFill>
             <a:schemeClr val="tx1"/>
           </a:solidFill>
@@ -2759,16 +2766,16 @@
           <a:cs typeface="+mn-cs"/>
         </a:defRPr>
       </a:lvl4pPr>
-      <a:lvl5pPr marL="1645920" indent="-182880" algn="l" defTabSz="731520" rtl="0" eaLnBrk="1" latinLnBrk="0" hangingPunct="1">
+      <a:lvl5pPr marL="1301511" indent="-144612" algn="l" defTabSz="578449" rtl="0" eaLnBrk="1" latinLnBrk="0" hangingPunct="1">
         <a:lnSpc>
           <a:spcPct val="90000"/>
         </a:lnSpc>
         <a:spcBef>
-          <a:spcPts val="400"/>
+          <a:spcPts val="316"/>
         </a:spcBef>
         <a:buFont typeface="Arial" panose="020B0604020202020204" pitchFamily="34" charset="0"/>
         <a:buChar char="•"/>
-        <a:defRPr sz="1440" kern="1200">
+        <a:defRPr sz="1139" kern="1200">
           <a:solidFill>
             <a:schemeClr val="tx1"/>
           </a:solidFill>
@@ -2777,16 +2784,16 @@
           <a:cs typeface="+mn-cs"/>
         </a:defRPr>
       </a:lvl5pPr>
-      <a:lvl6pPr marL="2011680" indent="-182880" algn="l" defTabSz="731520" rtl="0" eaLnBrk="1" latinLnBrk="0" hangingPunct="1">
+      <a:lvl6pPr marL="1590736" indent="-144612" algn="l" defTabSz="578449" rtl="0" eaLnBrk="1" latinLnBrk="0" hangingPunct="1">
         <a:lnSpc>
           <a:spcPct val="90000"/>
         </a:lnSpc>
         <a:spcBef>
-          <a:spcPts val="400"/>
+          <a:spcPts val="316"/>
         </a:spcBef>
         <a:buFont typeface="Arial" panose="020B0604020202020204" pitchFamily="34" charset="0"/>
         <a:buChar char="•"/>
-        <a:defRPr sz="1440" kern="1200">
+        <a:defRPr sz="1139" kern="1200">
           <a:solidFill>
             <a:schemeClr val="tx1"/>
           </a:solidFill>
@@ -2795,16 +2802,16 @@
           <a:cs typeface="+mn-cs"/>
         </a:defRPr>
       </a:lvl6pPr>
-      <a:lvl7pPr marL="2377440" indent="-182880" algn="l" defTabSz="731520" rtl="0" eaLnBrk="1" latinLnBrk="0" hangingPunct="1">
+      <a:lvl7pPr marL="1879961" indent="-144612" algn="l" defTabSz="578449" rtl="0" eaLnBrk="1" latinLnBrk="0" hangingPunct="1">
         <a:lnSpc>
           <a:spcPct val="90000"/>
         </a:lnSpc>
         <a:spcBef>
-          <a:spcPts val="400"/>
+          <a:spcPts val="316"/>
         </a:spcBef>
         <a:buFont typeface="Arial" panose="020B0604020202020204" pitchFamily="34" charset="0"/>
         <a:buChar char="•"/>
-        <a:defRPr sz="1440" kern="1200">
+        <a:defRPr sz="1139" kern="1200">
           <a:solidFill>
             <a:schemeClr val="tx1"/>
           </a:solidFill>
@@ -2813,16 +2820,16 @@
           <a:cs typeface="+mn-cs"/>
         </a:defRPr>
       </a:lvl7pPr>
-      <a:lvl8pPr marL="2743200" indent="-182880" algn="l" defTabSz="731520" rtl="0" eaLnBrk="1" latinLnBrk="0" hangingPunct="1">
+      <a:lvl8pPr marL="2169185" indent="-144612" algn="l" defTabSz="578449" rtl="0" eaLnBrk="1" latinLnBrk="0" hangingPunct="1">
         <a:lnSpc>
           <a:spcPct val="90000"/>
         </a:lnSpc>
         <a:spcBef>
-          <a:spcPts val="400"/>
+          <a:spcPts val="316"/>
         </a:spcBef>
         <a:buFont typeface="Arial" panose="020B0604020202020204" pitchFamily="34" charset="0"/>
         <a:buChar char="•"/>
-        <a:defRPr sz="1440" kern="1200">
+        <a:defRPr sz="1139" kern="1200">
           <a:solidFill>
             <a:schemeClr val="tx1"/>
           </a:solidFill>
@@ -2831,16 +2838,16 @@
           <a:cs typeface="+mn-cs"/>
         </a:defRPr>
       </a:lvl8pPr>
-      <a:lvl9pPr marL="3108960" indent="-182880" algn="l" defTabSz="731520" rtl="0" eaLnBrk="1" latinLnBrk="0" hangingPunct="1">
+      <a:lvl9pPr marL="2458410" indent="-144612" algn="l" defTabSz="578449" rtl="0" eaLnBrk="1" latinLnBrk="0" hangingPunct="1">
         <a:lnSpc>
           <a:spcPct val="90000"/>
         </a:lnSpc>
         <a:spcBef>
-          <a:spcPts val="400"/>
+          <a:spcPts val="316"/>
         </a:spcBef>
         <a:buFont typeface="Arial" panose="020B0604020202020204" pitchFamily="34" charset="0"/>
         <a:buChar char="•"/>
-        <a:defRPr sz="1440" kern="1200">
+        <a:defRPr sz="1139" kern="1200">
           <a:solidFill>
             <a:schemeClr val="tx1"/>
           </a:solidFill>
@@ -2854,8 +2861,8 @@
       <a:defPPr>
         <a:defRPr lang="en-US"/>
       </a:defPPr>
-      <a:lvl1pPr marL="0" algn="l" defTabSz="731520" rtl="0" eaLnBrk="1" latinLnBrk="0" hangingPunct="1">
-        <a:defRPr sz="1440" kern="1200">
+      <a:lvl1pPr marL="0" algn="l" defTabSz="578449" rtl="0" eaLnBrk="1" latinLnBrk="0" hangingPunct="1">
+        <a:defRPr sz="1139" kern="1200">
           <a:solidFill>
             <a:schemeClr val="tx1"/>
           </a:solidFill>
@@ -2864,8 +2871,8 @@
           <a:cs typeface="+mn-cs"/>
         </a:defRPr>
       </a:lvl1pPr>
-      <a:lvl2pPr marL="365760" algn="l" defTabSz="731520" rtl="0" eaLnBrk="1" latinLnBrk="0" hangingPunct="1">
-        <a:defRPr sz="1440" kern="1200">
+      <a:lvl2pPr marL="289225" algn="l" defTabSz="578449" rtl="0" eaLnBrk="1" latinLnBrk="0" hangingPunct="1">
+        <a:defRPr sz="1139" kern="1200">
           <a:solidFill>
             <a:schemeClr val="tx1"/>
           </a:solidFill>
@@ -2874,8 +2881,8 @@
           <a:cs typeface="+mn-cs"/>
         </a:defRPr>
       </a:lvl2pPr>
-      <a:lvl3pPr marL="731520" algn="l" defTabSz="731520" rtl="0" eaLnBrk="1" latinLnBrk="0" hangingPunct="1">
-        <a:defRPr sz="1440" kern="1200">
+      <a:lvl3pPr marL="578449" algn="l" defTabSz="578449" rtl="0" eaLnBrk="1" latinLnBrk="0" hangingPunct="1">
+        <a:defRPr sz="1139" kern="1200">
           <a:solidFill>
             <a:schemeClr val="tx1"/>
           </a:solidFill>
@@ -2884,8 +2891,8 @@
           <a:cs typeface="+mn-cs"/>
         </a:defRPr>
       </a:lvl3pPr>
-      <a:lvl4pPr marL="1097280" algn="l" defTabSz="731520" rtl="0" eaLnBrk="1" latinLnBrk="0" hangingPunct="1">
-        <a:defRPr sz="1440" kern="1200">
+      <a:lvl4pPr marL="867674" algn="l" defTabSz="578449" rtl="0" eaLnBrk="1" latinLnBrk="0" hangingPunct="1">
+        <a:defRPr sz="1139" kern="1200">
           <a:solidFill>
             <a:schemeClr val="tx1"/>
           </a:solidFill>
@@ -2894,8 +2901,8 @@
           <a:cs typeface="+mn-cs"/>
         </a:defRPr>
       </a:lvl4pPr>
-      <a:lvl5pPr marL="1463040" algn="l" defTabSz="731520" rtl="0" eaLnBrk="1" latinLnBrk="0" hangingPunct="1">
-        <a:defRPr sz="1440" kern="1200">
+      <a:lvl5pPr marL="1156899" algn="l" defTabSz="578449" rtl="0" eaLnBrk="1" latinLnBrk="0" hangingPunct="1">
+        <a:defRPr sz="1139" kern="1200">
           <a:solidFill>
             <a:schemeClr val="tx1"/>
           </a:solidFill>
@@ -2904,8 +2911,8 @@
           <a:cs typeface="+mn-cs"/>
         </a:defRPr>
       </a:lvl5pPr>
-      <a:lvl6pPr marL="1828800" algn="l" defTabSz="731520" rtl="0" eaLnBrk="1" latinLnBrk="0" hangingPunct="1">
-        <a:defRPr sz="1440" kern="1200">
+      <a:lvl6pPr marL="1446124" algn="l" defTabSz="578449" rtl="0" eaLnBrk="1" latinLnBrk="0" hangingPunct="1">
+        <a:defRPr sz="1139" kern="1200">
           <a:solidFill>
             <a:schemeClr val="tx1"/>
           </a:solidFill>
@@ -2914,8 +2921,8 @@
           <a:cs typeface="+mn-cs"/>
         </a:defRPr>
       </a:lvl6pPr>
-      <a:lvl7pPr marL="2194560" algn="l" defTabSz="731520" rtl="0" eaLnBrk="1" latinLnBrk="0" hangingPunct="1">
-        <a:defRPr sz="1440" kern="1200">
+      <a:lvl7pPr marL="1735348" algn="l" defTabSz="578449" rtl="0" eaLnBrk="1" latinLnBrk="0" hangingPunct="1">
+        <a:defRPr sz="1139" kern="1200">
           <a:solidFill>
             <a:schemeClr val="tx1"/>
           </a:solidFill>
@@ -2924,8 +2931,8 @@
           <a:cs typeface="+mn-cs"/>
         </a:defRPr>
       </a:lvl7pPr>
-      <a:lvl8pPr marL="2560320" algn="l" defTabSz="731520" rtl="0" eaLnBrk="1" latinLnBrk="0" hangingPunct="1">
-        <a:defRPr sz="1440" kern="1200">
+      <a:lvl8pPr marL="2024573" algn="l" defTabSz="578449" rtl="0" eaLnBrk="1" latinLnBrk="0" hangingPunct="1">
+        <a:defRPr sz="1139" kern="1200">
           <a:solidFill>
             <a:schemeClr val="tx1"/>
           </a:solidFill>
@@ -2934,8 +2941,8 @@
           <a:cs typeface="+mn-cs"/>
         </a:defRPr>
       </a:lvl8pPr>
-      <a:lvl9pPr marL="2926080" algn="l" defTabSz="731520" rtl="0" eaLnBrk="1" latinLnBrk="0" hangingPunct="1">
-        <a:defRPr sz="1440" kern="1200">
+      <a:lvl9pPr marL="2313798" algn="l" defTabSz="578449" rtl="0" eaLnBrk="1" latinLnBrk="0" hangingPunct="1">
+        <a:defRPr sz="1139" kern="1200">
           <a:solidFill>
             <a:schemeClr val="tx1"/>
           </a:solidFill>
@@ -2966,12 +2973,86 @@
           <a:chExt cx="0" cy="0"/>
         </a:xfrm>
       </p:grpSpPr>
+      <p:sp>
+        <p:nvSpPr>
+          <p:cNvPr id="8" name="TextBox 7">
+            <a:extLst>
+              <a:ext uri="{FF2B5EF4-FFF2-40B4-BE49-F238E27FC236}">
+                <a16:creationId xmlns:a16="http://schemas.microsoft.com/office/drawing/2014/main" id="{EA956CE8-16F1-F64F-81C1-ED4DB986C4C9}"/>
+              </a:ext>
+            </a:extLst>
+          </p:cNvPr>
+          <p:cNvSpPr txBox="1"/>
+          <p:nvPr/>
+        </p:nvSpPr>
+        <p:spPr>
+          <a:xfrm>
+            <a:off x="401782" y="196322"/>
+            <a:ext cx="287258" cy="369332"/>
+          </a:xfrm>
+          <a:prstGeom prst="rect">
+            <a:avLst/>
+          </a:prstGeom>
+          <a:noFill/>
+        </p:spPr>
+        <p:txBody>
+          <a:bodyPr wrap="none" rtlCol="0">
+            <a:spAutoFit/>
+          </a:bodyPr>
+          <a:lstStyle/>
+          <a:p>
+            <a:r>
+              <a:rPr lang="en-US" dirty="0">
+                <a:latin typeface="Times" pitchFamily="2" charset="0"/>
+              </a:rPr>
+              <a:t>a</a:t>
+            </a:r>
+          </a:p>
+        </p:txBody>
+      </p:sp>
+      <p:sp>
+        <p:nvSpPr>
+          <p:cNvPr id="9" name="TextBox 8">
+            <a:extLst>
+              <a:ext uri="{FF2B5EF4-FFF2-40B4-BE49-F238E27FC236}">
+                <a16:creationId xmlns:a16="http://schemas.microsoft.com/office/drawing/2014/main" id="{1CCBC0BC-BE0A-A048-876A-A077BAB3AC4C}"/>
+              </a:ext>
+            </a:extLst>
+          </p:cNvPr>
+          <p:cNvSpPr txBox="1"/>
+          <p:nvPr/>
+        </p:nvSpPr>
+        <p:spPr>
+          <a:xfrm>
+            <a:off x="4572000" y="196322"/>
+            <a:ext cx="300082" cy="369332"/>
+          </a:xfrm>
+          <a:prstGeom prst="rect">
+            <a:avLst/>
+          </a:prstGeom>
+          <a:noFill/>
+        </p:spPr>
+        <p:txBody>
+          <a:bodyPr wrap="none" rtlCol="0">
+            <a:spAutoFit/>
+          </a:bodyPr>
+          <a:lstStyle/>
+          <a:p>
+            <a:r>
+              <a:rPr lang="en-US" dirty="0">
+                <a:latin typeface="Times" pitchFamily="2" charset="0"/>
+              </a:rPr>
+              <a:t>b</a:t>
+            </a:r>
+          </a:p>
+        </p:txBody>
+      </p:sp>
       <p:pic>
         <p:nvPicPr>
-          <p:cNvPr id="5" name="Picture 4">
+          <p:cNvPr id="3" name="Picture 2">
             <a:extLst>
               <a:ext uri="{FF2B5EF4-FFF2-40B4-BE49-F238E27FC236}">
-                <a16:creationId xmlns:a16="http://schemas.microsoft.com/office/drawing/2014/main" id="{2DE8416C-36E0-6B4C-B3DE-4CF9EA62128A}"/>
+                <a16:creationId xmlns:a16="http://schemas.microsoft.com/office/drawing/2014/main" id="{CF950C4A-3F7F-E843-B1BE-025B3263A085}"/>
               </a:ext>
             </a:extLst>
           </p:cNvPr>
@@ -2980,15 +3061,15 @@
           </p:cNvPicPr>
           <p:nvPr/>
         </p:nvPicPr>
-        <p:blipFill rotWithShape="1">
+        <p:blipFill>
           <a:blip r:embed="rId2"/>
-          <a:srcRect r="16667"/>
+          <a:srcRect/>
           <a:stretch/>
         </p:blipFill>
         <p:spPr>
           <a:xfrm>
-            <a:off x="32086" y="3090420"/>
-            <a:ext cx="3235375" cy="2588300"/>
+            <a:off x="110837" y="565654"/>
+            <a:ext cx="4840273" cy="3226849"/>
           </a:xfrm>
           <a:prstGeom prst="rect">
             <a:avLst/>
@@ -2997,10 +3078,10 @@
       </p:pic>
       <p:pic>
         <p:nvPicPr>
-          <p:cNvPr id="7" name="Picture 6">
+          <p:cNvPr id="6" name="Picture 5">
             <a:extLst>
               <a:ext uri="{FF2B5EF4-FFF2-40B4-BE49-F238E27FC236}">
-                <a16:creationId xmlns:a16="http://schemas.microsoft.com/office/drawing/2014/main" id="{91C913F4-B302-4E40-9B00-8277F5B8541C}"/>
+                <a16:creationId xmlns:a16="http://schemas.microsoft.com/office/drawing/2014/main" id="{6DAF4E47-07E4-1646-AF9E-C38203A71F17}"/>
               </a:ext>
             </a:extLst>
           </p:cNvPr>
@@ -3011,220 +3092,23 @@
         </p:nvPicPr>
         <p:blipFill>
           <a:blip r:embed="rId3"/>
-          <a:stretch>
-            <a:fillRect/>
-          </a:stretch>
+          <a:srcRect/>
+          <a:stretch/>
         </p:blipFill>
         <p:spPr>
           <a:xfrm>
-            <a:off x="3343275" y="5901762"/>
-            <a:ext cx="3867150" cy="2578100"/>
+            <a:off x="4192892" y="565657"/>
+            <a:ext cx="4840273" cy="3226849"/>
           </a:xfrm>
           <a:prstGeom prst="rect">
             <a:avLst/>
           </a:prstGeom>
         </p:spPr>
       </p:pic>
-      <p:pic>
-        <p:nvPicPr>
-          <p:cNvPr id="9" name="Picture 8">
-            <a:extLst>
-              <a:ext uri="{FF2B5EF4-FFF2-40B4-BE49-F238E27FC236}">
-                <a16:creationId xmlns:a16="http://schemas.microsoft.com/office/drawing/2014/main" id="{9CDC061D-07E8-944E-BBDB-715E11C03C05}"/>
-              </a:ext>
-            </a:extLst>
-          </p:cNvPr>
-          <p:cNvPicPr>
-            <a:picLocks noChangeAspect="1"/>
-          </p:cNvPicPr>
-          <p:nvPr/>
-        </p:nvPicPr>
-        <p:blipFill rotWithShape="1">
-          <a:blip r:embed="rId4"/>
-          <a:srcRect r="16414"/>
-          <a:stretch/>
-        </p:blipFill>
-        <p:spPr>
-          <a:xfrm>
-            <a:off x="32086" y="293690"/>
-            <a:ext cx="3235375" cy="2580480"/>
-          </a:xfrm>
-          <a:prstGeom prst="rect">
-            <a:avLst/>
-          </a:prstGeom>
-        </p:spPr>
-      </p:pic>
-      <p:pic>
-        <p:nvPicPr>
-          <p:cNvPr id="11" name="Picture 10">
-            <a:extLst>
-              <a:ext uri="{FF2B5EF4-FFF2-40B4-BE49-F238E27FC236}">
-                <a16:creationId xmlns:a16="http://schemas.microsoft.com/office/drawing/2014/main" id="{AF910BC4-C2AB-F043-B057-37F1C52494E7}"/>
-              </a:ext>
-            </a:extLst>
-          </p:cNvPr>
-          <p:cNvPicPr>
-            <a:picLocks noChangeAspect="1"/>
-          </p:cNvPicPr>
-          <p:nvPr/>
-        </p:nvPicPr>
-        <p:blipFill rotWithShape="1">
-          <a:blip r:embed="rId5"/>
-          <a:srcRect r="16413"/>
-          <a:stretch/>
-        </p:blipFill>
-        <p:spPr>
-          <a:xfrm>
-            <a:off x="0" y="5894970"/>
-            <a:ext cx="3240907" cy="2584892"/>
-          </a:xfrm>
-          <a:prstGeom prst="rect">
-            <a:avLst/>
-          </a:prstGeom>
-        </p:spPr>
-      </p:pic>
-      <p:pic>
-        <p:nvPicPr>
-          <p:cNvPr id="13" name="Picture 12">
-            <a:extLst>
-              <a:ext uri="{FF2B5EF4-FFF2-40B4-BE49-F238E27FC236}">
-                <a16:creationId xmlns:a16="http://schemas.microsoft.com/office/drawing/2014/main" id="{A528CF61-D25E-0A41-BA87-2B1E48B2CDFD}"/>
-              </a:ext>
-            </a:extLst>
-          </p:cNvPr>
-          <p:cNvPicPr>
-            <a:picLocks noChangeAspect="1"/>
-          </p:cNvPicPr>
-          <p:nvPr/>
-        </p:nvPicPr>
-        <p:blipFill>
-          <a:blip r:embed="rId6"/>
-          <a:stretch>
-            <a:fillRect/>
-          </a:stretch>
-        </p:blipFill>
-        <p:spPr>
-          <a:xfrm>
-            <a:off x="3345682" y="3023387"/>
-            <a:ext cx="3969518" cy="2646345"/>
-          </a:xfrm>
-          <a:prstGeom prst="rect">
-            <a:avLst/>
-          </a:prstGeom>
-        </p:spPr>
-      </p:pic>
-      <p:pic>
-        <p:nvPicPr>
-          <p:cNvPr id="17" name="Picture 16">
-            <a:extLst>
-              <a:ext uri="{FF2B5EF4-FFF2-40B4-BE49-F238E27FC236}">
-                <a16:creationId xmlns:a16="http://schemas.microsoft.com/office/drawing/2014/main" id="{76E34245-26AA-5343-AEB2-0D9106B69F01}"/>
-              </a:ext>
-            </a:extLst>
-          </p:cNvPr>
-          <p:cNvPicPr>
-            <a:picLocks noChangeAspect="1"/>
-          </p:cNvPicPr>
-          <p:nvPr/>
-        </p:nvPicPr>
-        <p:blipFill>
-          <a:blip r:embed="rId7"/>
-          <a:stretch>
-            <a:fillRect/>
-          </a:stretch>
-        </p:blipFill>
-        <p:spPr>
-          <a:xfrm>
-            <a:off x="3267461" y="219351"/>
-            <a:ext cx="3858009" cy="2572006"/>
-          </a:xfrm>
-          <a:prstGeom prst="rect">
-            <a:avLst/>
-          </a:prstGeom>
-        </p:spPr>
-      </p:pic>
-      <p:sp>
-        <p:nvSpPr>
-          <p:cNvPr id="18" name="TextBox 17">
-            <a:extLst>
-              <a:ext uri="{FF2B5EF4-FFF2-40B4-BE49-F238E27FC236}">
-                <a16:creationId xmlns:a16="http://schemas.microsoft.com/office/drawing/2014/main" id="{57FA0F46-ACD1-D14D-83AC-8E49624F4AAC}"/>
-              </a:ext>
-            </a:extLst>
-          </p:cNvPr>
-          <p:cNvSpPr txBox="1"/>
-          <p:nvPr/>
-        </p:nvSpPr>
-        <p:spPr>
-          <a:xfrm>
-            <a:off x="476250" y="3090420"/>
-            <a:ext cx="413896" cy="646331"/>
-          </a:xfrm>
-          <a:prstGeom prst="rect">
-            <a:avLst/>
-          </a:prstGeom>
-          <a:noFill/>
-        </p:spPr>
-        <p:txBody>
-          <a:bodyPr wrap="none" rtlCol="0">
-            <a:spAutoFit/>
-          </a:bodyPr>
-          <a:lstStyle/>
-          <a:p>
-            <a:r>
-              <a:rPr lang="en-US" sz="3600" dirty="0">
-                <a:solidFill>
-                  <a:srgbClr val="FF0000"/>
-                </a:solidFill>
-              </a:rPr>
-              <a:t>*</a:t>
-            </a:r>
-          </a:p>
-        </p:txBody>
-      </p:sp>
-      <p:sp>
-        <p:nvSpPr>
-          <p:cNvPr id="19" name="TextBox 18">
-            <a:extLst>
-              <a:ext uri="{FF2B5EF4-FFF2-40B4-BE49-F238E27FC236}">
-                <a16:creationId xmlns:a16="http://schemas.microsoft.com/office/drawing/2014/main" id="{EE4BDCCD-73A8-694E-B9E3-E0778171F3D6}"/>
-              </a:ext>
-            </a:extLst>
-          </p:cNvPr>
-          <p:cNvSpPr txBox="1"/>
-          <p:nvPr/>
-        </p:nvSpPr>
-        <p:spPr>
-          <a:xfrm>
-            <a:off x="3657600" y="5924447"/>
-            <a:ext cx="413896" cy="646331"/>
-          </a:xfrm>
-          <a:prstGeom prst="rect">
-            <a:avLst/>
-          </a:prstGeom>
-          <a:noFill/>
-        </p:spPr>
-        <p:txBody>
-          <a:bodyPr wrap="none" rtlCol="0">
-            <a:spAutoFit/>
-          </a:bodyPr>
-          <a:lstStyle/>
-          <a:p>
-            <a:r>
-              <a:rPr lang="en-US" sz="3600" dirty="0">
-                <a:solidFill>
-                  <a:srgbClr val="FF0000"/>
-                </a:solidFill>
-              </a:rPr>
-              <a:t>*</a:t>
-            </a:r>
-          </a:p>
-        </p:txBody>
-      </p:sp>
     </p:spTree>
     <p:extLst>
       <p:ext uri="{BB962C8B-B14F-4D97-AF65-F5344CB8AC3E}">
-        <p14:creationId xmlns:p14="http://schemas.microsoft.com/office/powerpoint/2010/main" val="3356533017"/>
+        <p14:creationId xmlns:p14="http://schemas.microsoft.com/office/powerpoint/2010/main" val="4057899514"/>
       </p:ext>
     </p:extLst>
   </p:cSld>

--- a/7_figures/figure_s1.pptx
+++ b/7_figures/figure_s1.pptx
@@ -243,7 +243,7 @@
           <a:p>
             <a:fld id="{B3FD49CD-0034-0441-84C5-BD61FA025A57}" type="datetimeFigureOut">
               <a:rPr lang="en-US" smtClean="0"/>
-              <a:t>7/24/20</a:t>
+              <a:t>8/10/20</a:t>
             </a:fld>
             <a:endParaRPr lang="en-US"/>
           </a:p>
@@ -413,7 +413,7 @@
           <a:p>
             <a:fld id="{B3FD49CD-0034-0441-84C5-BD61FA025A57}" type="datetimeFigureOut">
               <a:rPr lang="en-US" smtClean="0"/>
-              <a:t>7/24/20</a:t>
+              <a:t>8/10/20</a:t>
             </a:fld>
             <a:endParaRPr lang="en-US"/>
           </a:p>
@@ -593,7 +593,7 @@
           <a:p>
             <a:fld id="{B3FD49CD-0034-0441-84C5-BD61FA025A57}" type="datetimeFigureOut">
               <a:rPr lang="en-US" smtClean="0"/>
-              <a:t>7/24/20</a:t>
+              <a:t>8/10/20</a:t>
             </a:fld>
             <a:endParaRPr lang="en-US"/>
           </a:p>
@@ -763,7 +763,7 @@
           <a:p>
             <a:fld id="{B3FD49CD-0034-0441-84C5-BD61FA025A57}" type="datetimeFigureOut">
               <a:rPr lang="en-US" smtClean="0"/>
-              <a:t>7/24/20</a:t>
+              <a:t>8/10/20</a:t>
             </a:fld>
             <a:endParaRPr lang="en-US"/>
           </a:p>
@@ -1009,7 +1009,7 @@
           <a:p>
             <a:fld id="{B3FD49CD-0034-0441-84C5-BD61FA025A57}" type="datetimeFigureOut">
               <a:rPr lang="en-US" smtClean="0"/>
-              <a:t>7/24/20</a:t>
+              <a:t>8/10/20</a:t>
             </a:fld>
             <a:endParaRPr lang="en-US"/>
           </a:p>
@@ -1241,7 +1241,7 @@
           <a:p>
             <a:fld id="{B3FD49CD-0034-0441-84C5-BD61FA025A57}" type="datetimeFigureOut">
               <a:rPr lang="en-US" smtClean="0"/>
-              <a:t>7/24/20</a:t>
+              <a:t>8/10/20</a:t>
             </a:fld>
             <a:endParaRPr lang="en-US"/>
           </a:p>
@@ -1608,7 +1608,7 @@
           <a:p>
             <a:fld id="{B3FD49CD-0034-0441-84C5-BD61FA025A57}" type="datetimeFigureOut">
               <a:rPr lang="en-US" smtClean="0"/>
-              <a:t>7/24/20</a:t>
+              <a:t>8/10/20</a:t>
             </a:fld>
             <a:endParaRPr lang="en-US"/>
           </a:p>
@@ -1726,7 +1726,7 @@
           <a:p>
             <a:fld id="{B3FD49CD-0034-0441-84C5-BD61FA025A57}" type="datetimeFigureOut">
               <a:rPr lang="en-US" smtClean="0"/>
-              <a:t>7/24/20</a:t>
+              <a:t>8/10/20</a:t>
             </a:fld>
             <a:endParaRPr lang="en-US"/>
           </a:p>
@@ -1821,7 +1821,7 @@
           <a:p>
             <a:fld id="{B3FD49CD-0034-0441-84C5-BD61FA025A57}" type="datetimeFigureOut">
               <a:rPr lang="en-US" smtClean="0"/>
-              <a:t>7/24/20</a:t>
+              <a:t>8/10/20</a:t>
             </a:fld>
             <a:endParaRPr lang="en-US"/>
           </a:p>
@@ -2098,7 +2098,7 @@
           <a:p>
             <a:fld id="{B3FD49CD-0034-0441-84C5-BD61FA025A57}" type="datetimeFigureOut">
               <a:rPr lang="en-US" smtClean="0"/>
-              <a:t>7/24/20</a:t>
+              <a:t>8/10/20</a:t>
             </a:fld>
             <a:endParaRPr lang="en-US"/>
           </a:p>
@@ -2355,7 +2355,7 @@
           <a:p>
             <a:fld id="{B3FD49CD-0034-0441-84C5-BD61FA025A57}" type="datetimeFigureOut">
               <a:rPr lang="en-US" smtClean="0"/>
-              <a:t>7/24/20</a:t>
+              <a:t>8/10/20</a:t>
             </a:fld>
             <a:endParaRPr lang="en-US"/>
           </a:p>
@@ -2568,7 +2568,7 @@
           <a:p>
             <a:fld id="{B3FD49CD-0034-0441-84C5-BD61FA025A57}" type="datetimeFigureOut">
               <a:rPr lang="en-US" smtClean="0"/>
-              <a:t>7/24/20</a:t>
+              <a:t>8/10/20</a:t>
             </a:fld>
             <a:endParaRPr lang="en-US"/>
           </a:p>
@@ -2988,7 +2988,7 @@
         <p:spPr>
           <a:xfrm>
             <a:off x="401782" y="196322"/>
-            <a:ext cx="287258" cy="369332"/>
+            <a:ext cx="300082" cy="369332"/>
           </a:xfrm>
           <a:prstGeom prst="rect">
             <a:avLst/>
@@ -3002,7 +3002,7 @@
           <a:lstStyle/>
           <a:p>
             <a:r>
-              <a:rPr lang="en-US" dirty="0">
+              <a:rPr lang="en-US" b="1" dirty="0">
                 <a:latin typeface="Times" pitchFamily="2" charset="0"/>
               </a:rPr>
               <a:t>a</a:t>
@@ -3025,7 +3025,7 @@
         <p:spPr>
           <a:xfrm>
             <a:off x="4572000" y="196322"/>
-            <a:ext cx="300082" cy="369332"/>
+            <a:ext cx="312906" cy="369332"/>
           </a:xfrm>
           <a:prstGeom prst="rect">
             <a:avLst/>
@@ -3039,7 +3039,7 @@
           <a:lstStyle/>
           <a:p>
             <a:r>
-              <a:rPr lang="en-US" dirty="0">
+              <a:rPr lang="en-US" b="1" dirty="0">
                 <a:latin typeface="Times" pitchFamily="2" charset="0"/>
               </a:rPr>
               <a:t>b</a:t>

--- a/7_figures/figure_s1.pptx
+++ b/7_figures/figure_s1.pptx
@@ -7,7 +7,7 @@
   <p:sldIdLst>
     <p:sldId id="256" r:id="rId2"/>
   </p:sldIdLst>
-  <p:sldSz cx="9144000" cy="4338638"/>
+  <p:sldSz cx="11879263" cy="6858000"/>
   <p:notesSz cx="6858000" cy="9144000"/>
   <p:defaultTextStyle>
     <a:defPPr>
@@ -141,15 +141,15 @@
         </p:nvSpPr>
         <p:spPr>
           <a:xfrm>
-            <a:off x="1143000" y="710050"/>
-            <a:ext cx="6858000" cy="1510489"/>
+            <a:off x="1484908" y="1122363"/>
+            <a:ext cx="8909447" cy="2387600"/>
           </a:xfrm>
         </p:spPr>
         <p:txBody>
           <a:bodyPr anchor="b"/>
           <a:lstStyle>
             <a:lvl1pPr algn="ctr">
-              <a:defRPr sz="3796"/>
+              <a:defRPr sz="5846"/>
             </a:lvl1pPr>
           </a:lstStyle>
           <a:p>
@@ -173,8 +173,8 @@
         </p:nvSpPr>
         <p:spPr>
           <a:xfrm>
-            <a:off x="1143000" y="2278789"/>
-            <a:ext cx="6858000" cy="1047500"/>
+            <a:off x="1484908" y="3602038"/>
+            <a:ext cx="8909447" cy="1655762"/>
           </a:xfrm>
         </p:spPr>
         <p:txBody>
@@ -182,39 +182,39 @@
           <a:lstStyle>
             <a:lvl1pPr marL="0" indent="0" algn="ctr">
               <a:buNone/>
-              <a:defRPr sz="1518"/>
+              <a:defRPr sz="2338"/>
             </a:lvl1pPr>
-            <a:lvl2pPr marL="289225" indent="0" algn="ctr">
-              <a:buNone/>
-              <a:defRPr sz="1265"/>
+            <a:lvl2pPr marL="445450" indent="0" algn="ctr">
+              <a:buNone/>
+              <a:defRPr sz="1949"/>
             </a:lvl2pPr>
-            <a:lvl3pPr marL="578449" indent="0" algn="ctr">
-              <a:buNone/>
-              <a:defRPr sz="1139"/>
+            <a:lvl3pPr marL="890900" indent="0" algn="ctr">
+              <a:buNone/>
+              <a:defRPr sz="1754"/>
             </a:lvl3pPr>
-            <a:lvl4pPr marL="867674" indent="0" algn="ctr">
-              <a:buNone/>
-              <a:defRPr sz="1012"/>
+            <a:lvl4pPr marL="1336350" indent="0" algn="ctr">
+              <a:buNone/>
+              <a:defRPr sz="1559"/>
             </a:lvl4pPr>
-            <a:lvl5pPr marL="1156899" indent="0" algn="ctr">
-              <a:buNone/>
-              <a:defRPr sz="1012"/>
+            <a:lvl5pPr marL="1781800" indent="0" algn="ctr">
+              <a:buNone/>
+              <a:defRPr sz="1559"/>
             </a:lvl5pPr>
-            <a:lvl6pPr marL="1446124" indent="0" algn="ctr">
-              <a:buNone/>
-              <a:defRPr sz="1012"/>
+            <a:lvl6pPr marL="2227250" indent="0" algn="ctr">
+              <a:buNone/>
+              <a:defRPr sz="1559"/>
             </a:lvl6pPr>
-            <a:lvl7pPr marL="1735348" indent="0" algn="ctr">
-              <a:buNone/>
-              <a:defRPr sz="1012"/>
+            <a:lvl7pPr marL="2672700" indent="0" algn="ctr">
+              <a:buNone/>
+              <a:defRPr sz="1559"/>
             </a:lvl7pPr>
-            <a:lvl8pPr marL="2024573" indent="0" algn="ctr">
-              <a:buNone/>
-              <a:defRPr sz="1012"/>
+            <a:lvl8pPr marL="3118150" indent="0" algn="ctr">
+              <a:buNone/>
+              <a:defRPr sz="1559"/>
             </a:lvl8pPr>
-            <a:lvl9pPr marL="2313798" indent="0" algn="ctr">
-              <a:buNone/>
-              <a:defRPr sz="1012"/>
+            <a:lvl9pPr marL="3563600" indent="0" algn="ctr">
+              <a:buNone/>
+              <a:defRPr sz="1559"/>
             </a:lvl9pPr>
           </a:lstStyle>
           <a:p>
@@ -241,9 +241,9 @@
           <a:bodyPr/>
           <a:lstStyle/>
           <a:p>
-            <a:fld id="{B3FD49CD-0034-0441-84C5-BD61FA025A57}" type="datetimeFigureOut">
+            <a:fld id="{266061D3-65A2-2C4E-AF03-15740F8A8862}" type="datetimeFigureOut">
               <a:rPr lang="en-US" smtClean="0"/>
-              <a:t>8/10/20</a:t>
+              <a:t>12/15/20</a:t>
             </a:fld>
             <a:endParaRPr lang="en-US"/>
           </a:p>
@@ -283,7 +283,7 @@
           <a:bodyPr/>
           <a:lstStyle/>
           <a:p>
-            <a:fld id="{FBC658B5-A350-DE4B-8B29-42402953F3E0}" type="slidenum">
+            <a:fld id="{C8F7CE51-481E-E44C-9F26-D5080053C15B}" type="slidenum">
               <a:rPr lang="en-US" smtClean="0"/>
               <a:t>‹#›</a:t>
             </a:fld>
@@ -294,7 +294,7 @@
     </p:spTree>
     <p:extLst>
       <p:ext uri="{BB962C8B-B14F-4D97-AF65-F5344CB8AC3E}">
-        <p14:creationId xmlns:p14="http://schemas.microsoft.com/office/powerpoint/2010/main" val="124492218"/>
+        <p14:creationId xmlns:p14="http://schemas.microsoft.com/office/powerpoint/2010/main" val="4202191140"/>
       </p:ext>
     </p:extLst>
   </p:cSld>
@@ -411,9 +411,9 @@
           <a:bodyPr/>
           <a:lstStyle/>
           <a:p>
-            <a:fld id="{B3FD49CD-0034-0441-84C5-BD61FA025A57}" type="datetimeFigureOut">
+            <a:fld id="{266061D3-65A2-2C4E-AF03-15740F8A8862}" type="datetimeFigureOut">
               <a:rPr lang="en-US" smtClean="0"/>
-              <a:t>8/10/20</a:t>
+              <a:t>12/15/20</a:t>
             </a:fld>
             <a:endParaRPr lang="en-US"/>
           </a:p>
@@ -453,7 +453,7 @@
           <a:bodyPr/>
           <a:lstStyle/>
           <a:p>
-            <a:fld id="{FBC658B5-A350-DE4B-8B29-42402953F3E0}" type="slidenum">
+            <a:fld id="{C8F7CE51-481E-E44C-9F26-D5080053C15B}" type="slidenum">
               <a:rPr lang="en-US" smtClean="0"/>
               <a:t>‹#›</a:t>
             </a:fld>
@@ -464,7 +464,7 @@
     </p:spTree>
     <p:extLst>
       <p:ext uri="{BB962C8B-B14F-4D97-AF65-F5344CB8AC3E}">
-        <p14:creationId xmlns:p14="http://schemas.microsoft.com/office/powerpoint/2010/main" val="1586681534"/>
+        <p14:creationId xmlns:p14="http://schemas.microsoft.com/office/powerpoint/2010/main" val="1079960424"/>
       </p:ext>
     </p:extLst>
   </p:cSld>
@@ -503,8 +503,8 @@
         </p:nvSpPr>
         <p:spPr>
           <a:xfrm>
-            <a:off x="6543675" y="230992"/>
-            <a:ext cx="1971675" cy="3676795"/>
+            <a:off x="8501098" y="365125"/>
+            <a:ext cx="2561466" cy="5811838"/>
           </a:xfrm>
         </p:spPr>
         <p:txBody>
@@ -531,8 +531,8 @@
         </p:nvSpPr>
         <p:spPr>
           <a:xfrm>
-            <a:off x="628650" y="230992"/>
-            <a:ext cx="5800725" cy="3676795"/>
+            <a:off x="816700" y="365125"/>
+            <a:ext cx="7535907" cy="5811838"/>
           </a:xfrm>
         </p:spPr>
         <p:txBody>
@@ -591,9 +591,9 @@
           <a:bodyPr/>
           <a:lstStyle/>
           <a:p>
-            <a:fld id="{B3FD49CD-0034-0441-84C5-BD61FA025A57}" type="datetimeFigureOut">
+            <a:fld id="{266061D3-65A2-2C4E-AF03-15740F8A8862}" type="datetimeFigureOut">
               <a:rPr lang="en-US" smtClean="0"/>
-              <a:t>8/10/20</a:t>
+              <a:t>12/15/20</a:t>
             </a:fld>
             <a:endParaRPr lang="en-US"/>
           </a:p>
@@ -633,7 +633,7 @@
           <a:bodyPr/>
           <a:lstStyle/>
           <a:p>
-            <a:fld id="{FBC658B5-A350-DE4B-8B29-42402953F3E0}" type="slidenum">
+            <a:fld id="{C8F7CE51-481E-E44C-9F26-D5080053C15B}" type="slidenum">
               <a:rPr lang="en-US" smtClean="0"/>
               <a:t>‹#›</a:t>
             </a:fld>
@@ -644,7 +644,7 @@
     </p:spTree>
     <p:extLst>
       <p:ext uri="{BB962C8B-B14F-4D97-AF65-F5344CB8AC3E}">
-        <p14:creationId xmlns:p14="http://schemas.microsoft.com/office/powerpoint/2010/main" val="1685809067"/>
+        <p14:creationId xmlns:p14="http://schemas.microsoft.com/office/powerpoint/2010/main" val="159805682"/>
       </p:ext>
     </p:extLst>
   </p:cSld>
@@ -761,9 +761,9 @@
           <a:bodyPr/>
           <a:lstStyle/>
           <a:p>
-            <a:fld id="{B3FD49CD-0034-0441-84C5-BD61FA025A57}" type="datetimeFigureOut">
+            <a:fld id="{266061D3-65A2-2C4E-AF03-15740F8A8862}" type="datetimeFigureOut">
               <a:rPr lang="en-US" smtClean="0"/>
-              <a:t>8/10/20</a:t>
+              <a:t>12/15/20</a:t>
             </a:fld>
             <a:endParaRPr lang="en-US"/>
           </a:p>
@@ -803,7 +803,7 @@
           <a:bodyPr/>
           <a:lstStyle/>
           <a:p>
-            <a:fld id="{FBC658B5-A350-DE4B-8B29-42402953F3E0}" type="slidenum">
+            <a:fld id="{C8F7CE51-481E-E44C-9F26-D5080053C15B}" type="slidenum">
               <a:rPr lang="en-US" smtClean="0"/>
               <a:t>‹#›</a:t>
             </a:fld>
@@ -814,7 +814,7 @@
     </p:spTree>
     <p:extLst>
       <p:ext uri="{BB962C8B-B14F-4D97-AF65-F5344CB8AC3E}">
-        <p14:creationId xmlns:p14="http://schemas.microsoft.com/office/powerpoint/2010/main" val="2822650669"/>
+        <p14:creationId xmlns:p14="http://schemas.microsoft.com/office/powerpoint/2010/main" val="324528424"/>
       </p:ext>
     </p:extLst>
   </p:cSld>
@@ -853,15 +853,15 @@
         </p:nvSpPr>
         <p:spPr>
           <a:xfrm>
-            <a:off x="623888" y="1081647"/>
-            <a:ext cx="7886700" cy="1804753"/>
+            <a:off x="810512" y="1709739"/>
+            <a:ext cx="10245864" cy="2852737"/>
           </a:xfrm>
         </p:spPr>
         <p:txBody>
           <a:bodyPr anchor="b"/>
           <a:lstStyle>
             <a:lvl1pPr>
-              <a:defRPr sz="3796"/>
+              <a:defRPr sz="5846"/>
             </a:lvl1pPr>
           </a:lstStyle>
           <a:p>
@@ -885,8 +885,8 @@
         </p:nvSpPr>
         <p:spPr>
           <a:xfrm>
-            <a:off x="623888" y="2903473"/>
-            <a:ext cx="7886700" cy="949077"/>
+            <a:off x="810512" y="4589464"/>
+            <a:ext cx="10245864" cy="1500187"/>
           </a:xfrm>
         </p:spPr>
         <p:txBody>
@@ -894,7 +894,7 @@
           <a:lstStyle>
             <a:lvl1pPr marL="0" indent="0">
               <a:buNone/>
-              <a:defRPr sz="1518">
+              <a:defRPr sz="2338">
                 <a:solidFill>
                   <a:schemeClr val="tx1">
                     <a:tint val="75000"/>
@@ -902,9 +902,9 @@
                 </a:solidFill>
               </a:defRPr>
             </a:lvl1pPr>
-            <a:lvl2pPr marL="289225" indent="0">
-              <a:buNone/>
-              <a:defRPr sz="1265">
+            <a:lvl2pPr marL="445450" indent="0">
+              <a:buNone/>
+              <a:defRPr sz="1949">
                 <a:solidFill>
                   <a:schemeClr val="tx1">
                     <a:tint val="75000"/>
@@ -912,9 +912,9 @@
                 </a:solidFill>
               </a:defRPr>
             </a:lvl2pPr>
-            <a:lvl3pPr marL="578449" indent="0">
-              <a:buNone/>
-              <a:defRPr sz="1139">
+            <a:lvl3pPr marL="890900" indent="0">
+              <a:buNone/>
+              <a:defRPr sz="1754">
                 <a:solidFill>
                   <a:schemeClr val="tx1">
                     <a:tint val="75000"/>
@@ -922,9 +922,9 @@
                 </a:solidFill>
               </a:defRPr>
             </a:lvl3pPr>
-            <a:lvl4pPr marL="867674" indent="0">
-              <a:buNone/>
-              <a:defRPr sz="1012">
+            <a:lvl4pPr marL="1336350" indent="0">
+              <a:buNone/>
+              <a:defRPr sz="1559">
                 <a:solidFill>
                   <a:schemeClr val="tx1">
                     <a:tint val="75000"/>
@@ -932,9 +932,9 @@
                 </a:solidFill>
               </a:defRPr>
             </a:lvl4pPr>
-            <a:lvl5pPr marL="1156899" indent="0">
-              <a:buNone/>
-              <a:defRPr sz="1012">
+            <a:lvl5pPr marL="1781800" indent="0">
+              <a:buNone/>
+              <a:defRPr sz="1559">
                 <a:solidFill>
                   <a:schemeClr val="tx1">
                     <a:tint val="75000"/>
@@ -942,9 +942,9 @@
                 </a:solidFill>
               </a:defRPr>
             </a:lvl5pPr>
-            <a:lvl6pPr marL="1446124" indent="0">
-              <a:buNone/>
-              <a:defRPr sz="1012">
+            <a:lvl6pPr marL="2227250" indent="0">
+              <a:buNone/>
+              <a:defRPr sz="1559">
                 <a:solidFill>
                   <a:schemeClr val="tx1">
                     <a:tint val="75000"/>
@@ -952,9 +952,9 @@
                 </a:solidFill>
               </a:defRPr>
             </a:lvl6pPr>
-            <a:lvl7pPr marL="1735348" indent="0">
-              <a:buNone/>
-              <a:defRPr sz="1012">
+            <a:lvl7pPr marL="2672700" indent="0">
+              <a:buNone/>
+              <a:defRPr sz="1559">
                 <a:solidFill>
                   <a:schemeClr val="tx1">
                     <a:tint val="75000"/>
@@ -962,9 +962,9 @@
                 </a:solidFill>
               </a:defRPr>
             </a:lvl7pPr>
-            <a:lvl8pPr marL="2024573" indent="0">
-              <a:buNone/>
-              <a:defRPr sz="1012">
+            <a:lvl8pPr marL="3118150" indent="0">
+              <a:buNone/>
+              <a:defRPr sz="1559">
                 <a:solidFill>
                   <a:schemeClr val="tx1">
                     <a:tint val="75000"/>
@@ -972,9 +972,9 @@
                 </a:solidFill>
               </a:defRPr>
             </a:lvl8pPr>
-            <a:lvl9pPr marL="2313798" indent="0">
-              <a:buNone/>
-              <a:defRPr sz="1012">
+            <a:lvl9pPr marL="3563600" indent="0">
+              <a:buNone/>
+              <a:defRPr sz="1559">
                 <a:solidFill>
                   <a:schemeClr val="tx1">
                     <a:tint val="75000"/>
@@ -1007,9 +1007,9 @@
           <a:bodyPr/>
           <a:lstStyle/>
           <a:p>
-            <a:fld id="{B3FD49CD-0034-0441-84C5-BD61FA025A57}" type="datetimeFigureOut">
+            <a:fld id="{266061D3-65A2-2C4E-AF03-15740F8A8862}" type="datetimeFigureOut">
               <a:rPr lang="en-US" smtClean="0"/>
-              <a:t>8/10/20</a:t>
+              <a:t>12/15/20</a:t>
             </a:fld>
             <a:endParaRPr lang="en-US"/>
           </a:p>
@@ -1049,7 +1049,7 @@
           <a:bodyPr/>
           <a:lstStyle/>
           <a:p>
-            <a:fld id="{FBC658B5-A350-DE4B-8B29-42402953F3E0}" type="slidenum">
+            <a:fld id="{C8F7CE51-481E-E44C-9F26-D5080053C15B}" type="slidenum">
               <a:rPr lang="en-US" smtClean="0"/>
               <a:t>‹#›</a:t>
             </a:fld>
@@ -1060,7 +1060,7 @@
     </p:spTree>
     <p:extLst>
       <p:ext uri="{BB962C8B-B14F-4D97-AF65-F5344CB8AC3E}">
-        <p14:creationId xmlns:p14="http://schemas.microsoft.com/office/powerpoint/2010/main" val="3283922215"/>
+        <p14:creationId xmlns:p14="http://schemas.microsoft.com/office/powerpoint/2010/main" val="2184227504"/>
       </p:ext>
     </p:extLst>
   </p:cSld>
@@ -1122,8 +1122,8 @@
         </p:nvSpPr>
         <p:spPr>
           <a:xfrm>
-            <a:off x="628650" y="1154961"/>
-            <a:ext cx="3886200" cy="2752826"/>
+            <a:off x="816699" y="1825625"/>
+            <a:ext cx="5048687" cy="4351338"/>
           </a:xfrm>
         </p:spPr>
         <p:txBody>
@@ -1179,8 +1179,8 @@
         </p:nvSpPr>
         <p:spPr>
           <a:xfrm>
-            <a:off x="4629150" y="1154961"/>
-            <a:ext cx="3886200" cy="2752826"/>
+            <a:off x="6013877" y="1825625"/>
+            <a:ext cx="5048687" cy="4351338"/>
           </a:xfrm>
         </p:spPr>
         <p:txBody>
@@ -1239,9 +1239,9 @@
           <a:bodyPr/>
           <a:lstStyle/>
           <a:p>
-            <a:fld id="{B3FD49CD-0034-0441-84C5-BD61FA025A57}" type="datetimeFigureOut">
+            <a:fld id="{266061D3-65A2-2C4E-AF03-15740F8A8862}" type="datetimeFigureOut">
               <a:rPr lang="en-US" smtClean="0"/>
-              <a:t>8/10/20</a:t>
+              <a:t>12/15/20</a:t>
             </a:fld>
             <a:endParaRPr lang="en-US"/>
           </a:p>
@@ -1281,7 +1281,7 @@
           <a:bodyPr/>
           <a:lstStyle/>
           <a:p>
-            <a:fld id="{FBC658B5-A350-DE4B-8B29-42402953F3E0}" type="slidenum">
+            <a:fld id="{C8F7CE51-481E-E44C-9F26-D5080053C15B}" type="slidenum">
               <a:rPr lang="en-US" smtClean="0"/>
               <a:t>‹#›</a:t>
             </a:fld>
@@ -1292,7 +1292,7 @@
     </p:spTree>
     <p:extLst>
       <p:ext uri="{BB962C8B-B14F-4D97-AF65-F5344CB8AC3E}">
-        <p14:creationId xmlns:p14="http://schemas.microsoft.com/office/powerpoint/2010/main" val="1266687130"/>
+        <p14:creationId xmlns:p14="http://schemas.microsoft.com/office/powerpoint/2010/main" val="2123939267"/>
       </p:ext>
     </p:extLst>
   </p:cSld>
@@ -1331,8 +1331,8 @@
         </p:nvSpPr>
         <p:spPr>
           <a:xfrm>
-            <a:off x="629841" y="230993"/>
-            <a:ext cx="7886700" cy="838603"/>
+            <a:off x="818247" y="365126"/>
+            <a:ext cx="10245864" cy="1325563"/>
           </a:xfrm>
         </p:spPr>
         <p:txBody>
@@ -1359,8 +1359,8 @@
         </p:nvSpPr>
         <p:spPr>
           <a:xfrm>
-            <a:off x="629842" y="1063569"/>
-            <a:ext cx="3868340" cy="521239"/>
+            <a:off x="818247" y="1681163"/>
+            <a:ext cx="5025485" cy="823912"/>
           </a:xfrm>
         </p:spPr>
         <p:txBody>
@@ -1368,39 +1368,39 @@
           <a:lstStyle>
             <a:lvl1pPr marL="0" indent="0">
               <a:buNone/>
-              <a:defRPr sz="1518" b="1"/>
+              <a:defRPr sz="2338" b="1"/>
             </a:lvl1pPr>
-            <a:lvl2pPr marL="289225" indent="0">
-              <a:buNone/>
-              <a:defRPr sz="1265" b="1"/>
+            <a:lvl2pPr marL="445450" indent="0">
+              <a:buNone/>
+              <a:defRPr sz="1949" b="1"/>
             </a:lvl2pPr>
-            <a:lvl3pPr marL="578449" indent="0">
-              <a:buNone/>
-              <a:defRPr sz="1139" b="1"/>
+            <a:lvl3pPr marL="890900" indent="0">
+              <a:buNone/>
+              <a:defRPr sz="1754" b="1"/>
             </a:lvl3pPr>
-            <a:lvl4pPr marL="867674" indent="0">
-              <a:buNone/>
-              <a:defRPr sz="1012" b="1"/>
+            <a:lvl4pPr marL="1336350" indent="0">
+              <a:buNone/>
+              <a:defRPr sz="1559" b="1"/>
             </a:lvl4pPr>
-            <a:lvl5pPr marL="1156899" indent="0">
-              <a:buNone/>
-              <a:defRPr sz="1012" b="1"/>
+            <a:lvl5pPr marL="1781800" indent="0">
+              <a:buNone/>
+              <a:defRPr sz="1559" b="1"/>
             </a:lvl5pPr>
-            <a:lvl6pPr marL="1446124" indent="0">
-              <a:buNone/>
-              <a:defRPr sz="1012" b="1"/>
+            <a:lvl6pPr marL="2227250" indent="0">
+              <a:buNone/>
+              <a:defRPr sz="1559" b="1"/>
             </a:lvl6pPr>
-            <a:lvl7pPr marL="1735348" indent="0">
-              <a:buNone/>
-              <a:defRPr sz="1012" b="1"/>
+            <a:lvl7pPr marL="2672700" indent="0">
+              <a:buNone/>
+              <a:defRPr sz="1559" b="1"/>
             </a:lvl7pPr>
-            <a:lvl8pPr marL="2024573" indent="0">
-              <a:buNone/>
-              <a:defRPr sz="1012" b="1"/>
+            <a:lvl8pPr marL="3118150" indent="0">
+              <a:buNone/>
+              <a:defRPr sz="1559" b="1"/>
             </a:lvl8pPr>
-            <a:lvl9pPr marL="2313798" indent="0">
-              <a:buNone/>
-              <a:defRPr sz="1012" b="1"/>
+            <a:lvl9pPr marL="3563600" indent="0">
+              <a:buNone/>
+              <a:defRPr sz="1559" b="1"/>
             </a:lvl9pPr>
           </a:lstStyle>
           <a:p>
@@ -1424,8 +1424,8 @@
         </p:nvSpPr>
         <p:spPr>
           <a:xfrm>
-            <a:off x="629842" y="1584808"/>
-            <a:ext cx="3868340" cy="2331014"/>
+            <a:off x="818247" y="2505075"/>
+            <a:ext cx="5025485" cy="3684588"/>
           </a:xfrm>
         </p:spPr>
         <p:txBody>
@@ -1481,8 +1481,8 @@
         </p:nvSpPr>
         <p:spPr>
           <a:xfrm>
-            <a:off x="4629150" y="1063569"/>
-            <a:ext cx="3887391" cy="521239"/>
+            <a:off x="6013877" y="1681163"/>
+            <a:ext cx="5050234" cy="823912"/>
           </a:xfrm>
         </p:spPr>
         <p:txBody>
@@ -1490,39 +1490,39 @@
           <a:lstStyle>
             <a:lvl1pPr marL="0" indent="0">
               <a:buNone/>
-              <a:defRPr sz="1518" b="1"/>
+              <a:defRPr sz="2338" b="1"/>
             </a:lvl1pPr>
-            <a:lvl2pPr marL="289225" indent="0">
-              <a:buNone/>
-              <a:defRPr sz="1265" b="1"/>
+            <a:lvl2pPr marL="445450" indent="0">
+              <a:buNone/>
+              <a:defRPr sz="1949" b="1"/>
             </a:lvl2pPr>
-            <a:lvl3pPr marL="578449" indent="0">
-              <a:buNone/>
-              <a:defRPr sz="1139" b="1"/>
+            <a:lvl3pPr marL="890900" indent="0">
+              <a:buNone/>
+              <a:defRPr sz="1754" b="1"/>
             </a:lvl3pPr>
-            <a:lvl4pPr marL="867674" indent="0">
-              <a:buNone/>
-              <a:defRPr sz="1012" b="1"/>
+            <a:lvl4pPr marL="1336350" indent="0">
+              <a:buNone/>
+              <a:defRPr sz="1559" b="1"/>
             </a:lvl4pPr>
-            <a:lvl5pPr marL="1156899" indent="0">
-              <a:buNone/>
-              <a:defRPr sz="1012" b="1"/>
+            <a:lvl5pPr marL="1781800" indent="0">
+              <a:buNone/>
+              <a:defRPr sz="1559" b="1"/>
             </a:lvl5pPr>
-            <a:lvl6pPr marL="1446124" indent="0">
-              <a:buNone/>
-              <a:defRPr sz="1012" b="1"/>
+            <a:lvl6pPr marL="2227250" indent="0">
+              <a:buNone/>
+              <a:defRPr sz="1559" b="1"/>
             </a:lvl6pPr>
-            <a:lvl7pPr marL="1735348" indent="0">
-              <a:buNone/>
-              <a:defRPr sz="1012" b="1"/>
+            <a:lvl7pPr marL="2672700" indent="0">
+              <a:buNone/>
+              <a:defRPr sz="1559" b="1"/>
             </a:lvl7pPr>
-            <a:lvl8pPr marL="2024573" indent="0">
-              <a:buNone/>
-              <a:defRPr sz="1012" b="1"/>
+            <a:lvl8pPr marL="3118150" indent="0">
+              <a:buNone/>
+              <a:defRPr sz="1559" b="1"/>
             </a:lvl8pPr>
-            <a:lvl9pPr marL="2313798" indent="0">
-              <a:buNone/>
-              <a:defRPr sz="1012" b="1"/>
+            <a:lvl9pPr marL="3563600" indent="0">
+              <a:buNone/>
+              <a:defRPr sz="1559" b="1"/>
             </a:lvl9pPr>
           </a:lstStyle>
           <a:p>
@@ -1546,8 +1546,8 @@
         </p:nvSpPr>
         <p:spPr>
           <a:xfrm>
-            <a:off x="4629150" y="1584808"/>
-            <a:ext cx="3887391" cy="2331014"/>
+            <a:off x="6013877" y="2505075"/>
+            <a:ext cx="5050234" cy="3684588"/>
           </a:xfrm>
         </p:spPr>
         <p:txBody>
@@ -1606,9 +1606,9 @@
           <a:bodyPr/>
           <a:lstStyle/>
           <a:p>
-            <a:fld id="{B3FD49CD-0034-0441-84C5-BD61FA025A57}" type="datetimeFigureOut">
+            <a:fld id="{266061D3-65A2-2C4E-AF03-15740F8A8862}" type="datetimeFigureOut">
               <a:rPr lang="en-US" smtClean="0"/>
-              <a:t>8/10/20</a:t>
+              <a:t>12/15/20</a:t>
             </a:fld>
             <a:endParaRPr lang="en-US"/>
           </a:p>
@@ -1648,7 +1648,7 @@
           <a:bodyPr/>
           <a:lstStyle/>
           <a:p>
-            <a:fld id="{FBC658B5-A350-DE4B-8B29-42402953F3E0}" type="slidenum">
+            <a:fld id="{C8F7CE51-481E-E44C-9F26-D5080053C15B}" type="slidenum">
               <a:rPr lang="en-US" smtClean="0"/>
               <a:t>‹#›</a:t>
             </a:fld>
@@ -1659,7 +1659,7 @@
     </p:spTree>
     <p:extLst>
       <p:ext uri="{BB962C8B-B14F-4D97-AF65-F5344CB8AC3E}">
-        <p14:creationId xmlns:p14="http://schemas.microsoft.com/office/powerpoint/2010/main" val="1814032100"/>
+        <p14:creationId xmlns:p14="http://schemas.microsoft.com/office/powerpoint/2010/main" val="89714708"/>
       </p:ext>
     </p:extLst>
   </p:cSld>
@@ -1724,9 +1724,9 @@
           <a:bodyPr/>
           <a:lstStyle/>
           <a:p>
-            <a:fld id="{B3FD49CD-0034-0441-84C5-BD61FA025A57}" type="datetimeFigureOut">
+            <a:fld id="{266061D3-65A2-2C4E-AF03-15740F8A8862}" type="datetimeFigureOut">
               <a:rPr lang="en-US" smtClean="0"/>
-              <a:t>8/10/20</a:t>
+              <a:t>12/15/20</a:t>
             </a:fld>
             <a:endParaRPr lang="en-US"/>
           </a:p>
@@ -1766,7 +1766,7 @@
           <a:bodyPr/>
           <a:lstStyle/>
           <a:p>
-            <a:fld id="{FBC658B5-A350-DE4B-8B29-42402953F3E0}" type="slidenum">
+            <a:fld id="{C8F7CE51-481E-E44C-9F26-D5080053C15B}" type="slidenum">
               <a:rPr lang="en-US" smtClean="0"/>
               <a:t>‹#›</a:t>
             </a:fld>
@@ -1777,7 +1777,7 @@
     </p:spTree>
     <p:extLst>
       <p:ext uri="{BB962C8B-B14F-4D97-AF65-F5344CB8AC3E}">
-        <p14:creationId xmlns:p14="http://schemas.microsoft.com/office/powerpoint/2010/main" val="1646549506"/>
+        <p14:creationId xmlns:p14="http://schemas.microsoft.com/office/powerpoint/2010/main" val="686460062"/>
       </p:ext>
     </p:extLst>
   </p:cSld>
@@ -1819,9 +1819,9 @@
           <a:bodyPr/>
           <a:lstStyle/>
           <a:p>
-            <a:fld id="{B3FD49CD-0034-0441-84C5-BD61FA025A57}" type="datetimeFigureOut">
+            <a:fld id="{266061D3-65A2-2C4E-AF03-15740F8A8862}" type="datetimeFigureOut">
               <a:rPr lang="en-US" smtClean="0"/>
-              <a:t>8/10/20</a:t>
+              <a:t>12/15/20</a:t>
             </a:fld>
             <a:endParaRPr lang="en-US"/>
           </a:p>
@@ -1861,7 +1861,7 @@
           <a:bodyPr/>
           <a:lstStyle/>
           <a:p>
-            <a:fld id="{FBC658B5-A350-DE4B-8B29-42402953F3E0}" type="slidenum">
+            <a:fld id="{C8F7CE51-481E-E44C-9F26-D5080053C15B}" type="slidenum">
               <a:rPr lang="en-US" smtClean="0"/>
               <a:t>‹#›</a:t>
             </a:fld>
@@ -1872,7 +1872,7 @@
     </p:spTree>
     <p:extLst>
       <p:ext uri="{BB962C8B-B14F-4D97-AF65-F5344CB8AC3E}">
-        <p14:creationId xmlns:p14="http://schemas.microsoft.com/office/powerpoint/2010/main" val="2253567405"/>
+        <p14:creationId xmlns:p14="http://schemas.microsoft.com/office/powerpoint/2010/main" val="1110550769"/>
       </p:ext>
     </p:extLst>
   </p:cSld>
@@ -1911,15 +1911,15 @@
         </p:nvSpPr>
         <p:spPr>
           <a:xfrm>
-            <a:off x="629841" y="289242"/>
-            <a:ext cx="2949178" cy="1012349"/>
+            <a:off x="818247" y="457200"/>
+            <a:ext cx="3831371" cy="1600200"/>
           </a:xfrm>
         </p:spPr>
         <p:txBody>
           <a:bodyPr anchor="b"/>
           <a:lstStyle>
             <a:lvl1pPr>
-              <a:defRPr sz="2024"/>
+              <a:defRPr sz="3118"/>
             </a:lvl1pPr>
           </a:lstStyle>
           <a:p>
@@ -1943,39 +1943,39 @@
         </p:nvSpPr>
         <p:spPr>
           <a:xfrm>
-            <a:off x="3887391" y="624684"/>
-            <a:ext cx="4629150" cy="3083245"/>
+            <a:off x="5050234" y="987426"/>
+            <a:ext cx="6013877" cy="4873625"/>
           </a:xfrm>
         </p:spPr>
         <p:txBody>
           <a:bodyPr/>
           <a:lstStyle>
             <a:lvl1pPr>
-              <a:defRPr sz="2024"/>
+              <a:defRPr sz="3118"/>
             </a:lvl1pPr>
             <a:lvl2pPr>
-              <a:defRPr sz="1771"/>
+              <a:defRPr sz="2728"/>
             </a:lvl2pPr>
             <a:lvl3pPr>
-              <a:defRPr sz="1518"/>
+              <a:defRPr sz="2338"/>
             </a:lvl3pPr>
             <a:lvl4pPr>
-              <a:defRPr sz="1265"/>
+              <a:defRPr sz="1949"/>
             </a:lvl4pPr>
             <a:lvl5pPr>
-              <a:defRPr sz="1265"/>
+              <a:defRPr sz="1949"/>
             </a:lvl5pPr>
             <a:lvl6pPr>
-              <a:defRPr sz="1265"/>
+              <a:defRPr sz="1949"/>
             </a:lvl6pPr>
             <a:lvl7pPr>
-              <a:defRPr sz="1265"/>
+              <a:defRPr sz="1949"/>
             </a:lvl7pPr>
             <a:lvl8pPr>
-              <a:defRPr sz="1265"/>
+              <a:defRPr sz="1949"/>
             </a:lvl8pPr>
             <a:lvl9pPr>
-              <a:defRPr sz="1265"/>
+              <a:defRPr sz="1949"/>
             </a:lvl9pPr>
           </a:lstStyle>
           <a:p>
@@ -2028,8 +2028,8 @@
         </p:nvSpPr>
         <p:spPr>
           <a:xfrm>
-            <a:off x="629841" y="1301591"/>
-            <a:ext cx="2949178" cy="2411359"/>
+            <a:off x="818247" y="2057400"/>
+            <a:ext cx="3831371" cy="3811588"/>
           </a:xfrm>
         </p:spPr>
         <p:txBody>
@@ -2037,39 +2037,39 @@
           <a:lstStyle>
             <a:lvl1pPr marL="0" indent="0">
               <a:buNone/>
-              <a:defRPr sz="1012"/>
+              <a:defRPr sz="1559"/>
             </a:lvl1pPr>
-            <a:lvl2pPr marL="289225" indent="0">
-              <a:buNone/>
-              <a:defRPr sz="886"/>
+            <a:lvl2pPr marL="445450" indent="0">
+              <a:buNone/>
+              <a:defRPr sz="1364"/>
             </a:lvl2pPr>
-            <a:lvl3pPr marL="578449" indent="0">
-              <a:buNone/>
-              <a:defRPr sz="759"/>
+            <a:lvl3pPr marL="890900" indent="0">
+              <a:buNone/>
+              <a:defRPr sz="1169"/>
             </a:lvl3pPr>
-            <a:lvl4pPr marL="867674" indent="0">
-              <a:buNone/>
-              <a:defRPr sz="633"/>
+            <a:lvl4pPr marL="1336350" indent="0">
+              <a:buNone/>
+              <a:defRPr sz="974"/>
             </a:lvl4pPr>
-            <a:lvl5pPr marL="1156899" indent="0">
-              <a:buNone/>
-              <a:defRPr sz="633"/>
+            <a:lvl5pPr marL="1781800" indent="0">
+              <a:buNone/>
+              <a:defRPr sz="974"/>
             </a:lvl5pPr>
-            <a:lvl6pPr marL="1446124" indent="0">
-              <a:buNone/>
-              <a:defRPr sz="633"/>
+            <a:lvl6pPr marL="2227250" indent="0">
+              <a:buNone/>
+              <a:defRPr sz="974"/>
             </a:lvl6pPr>
-            <a:lvl7pPr marL="1735348" indent="0">
-              <a:buNone/>
-              <a:defRPr sz="633"/>
+            <a:lvl7pPr marL="2672700" indent="0">
+              <a:buNone/>
+              <a:defRPr sz="974"/>
             </a:lvl7pPr>
-            <a:lvl8pPr marL="2024573" indent="0">
-              <a:buNone/>
-              <a:defRPr sz="633"/>
+            <a:lvl8pPr marL="3118150" indent="0">
+              <a:buNone/>
+              <a:defRPr sz="974"/>
             </a:lvl8pPr>
-            <a:lvl9pPr marL="2313798" indent="0">
-              <a:buNone/>
-              <a:defRPr sz="633"/>
+            <a:lvl9pPr marL="3563600" indent="0">
+              <a:buNone/>
+              <a:defRPr sz="974"/>
             </a:lvl9pPr>
           </a:lstStyle>
           <a:p>
@@ -2096,9 +2096,9 @@
           <a:bodyPr/>
           <a:lstStyle/>
           <a:p>
-            <a:fld id="{B3FD49CD-0034-0441-84C5-BD61FA025A57}" type="datetimeFigureOut">
+            <a:fld id="{266061D3-65A2-2C4E-AF03-15740F8A8862}" type="datetimeFigureOut">
               <a:rPr lang="en-US" smtClean="0"/>
-              <a:t>8/10/20</a:t>
+              <a:t>12/15/20</a:t>
             </a:fld>
             <a:endParaRPr lang="en-US"/>
           </a:p>
@@ -2138,7 +2138,7 @@
           <a:bodyPr/>
           <a:lstStyle/>
           <a:p>
-            <a:fld id="{FBC658B5-A350-DE4B-8B29-42402953F3E0}" type="slidenum">
+            <a:fld id="{C8F7CE51-481E-E44C-9F26-D5080053C15B}" type="slidenum">
               <a:rPr lang="en-US" smtClean="0"/>
               <a:t>‹#›</a:t>
             </a:fld>
@@ -2149,7 +2149,7 @@
     </p:spTree>
     <p:extLst>
       <p:ext uri="{BB962C8B-B14F-4D97-AF65-F5344CB8AC3E}">
-        <p14:creationId xmlns:p14="http://schemas.microsoft.com/office/powerpoint/2010/main" val="2777040713"/>
+        <p14:creationId xmlns:p14="http://schemas.microsoft.com/office/powerpoint/2010/main" val="214946206"/>
       </p:ext>
     </p:extLst>
   </p:cSld>
@@ -2188,15 +2188,15 @@
         </p:nvSpPr>
         <p:spPr>
           <a:xfrm>
-            <a:off x="629841" y="289242"/>
-            <a:ext cx="2949178" cy="1012349"/>
+            <a:off x="818247" y="457200"/>
+            <a:ext cx="3831371" cy="1600200"/>
           </a:xfrm>
         </p:spPr>
         <p:txBody>
           <a:bodyPr anchor="b"/>
           <a:lstStyle>
             <a:lvl1pPr>
-              <a:defRPr sz="2024"/>
+              <a:defRPr sz="3118"/>
             </a:lvl1pPr>
           </a:lstStyle>
           <a:p>
@@ -2220,8 +2220,8 @@
         </p:nvSpPr>
         <p:spPr>
           <a:xfrm>
-            <a:off x="3887391" y="624684"/>
-            <a:ext cx="4629150" cy="3083245"/>
+            <a:off x="5050234" y="987426"/>
+            <a:ext cx="6013877" cy="4873625"/>
           </a:xfrm>
         </p:spPr>
         <p:txBody>
@@ -2229,39 +2229,39 @@
           <a:lstStyle>
             <a:lvl1pPr marL="0" indent="0">
               <a:buNone/>
-              <a:defRPr sz="2024"/>
+              <a:defRPr sz="3118"/>
             </a:lvl1pPr>
-            <a:lvl2pPr marL="289225" indent="0">
-              <a:buNone/>
-              <a:defRPr sz="1771"/>
+            <a:lvl2pPr marL="445450" indent="0">
+              <a:buNone/>
+              <a:defRPr sz="2728"/>
             </a:lvl2pPr>
-            <a:lvl3pPr marL="578449" indent="0">
-              <a:buNone/>
-              <a:defRPr sz="1518"/>
+            <a:lvl3pPr marL="890900" indent="0">
+              <a:buNone/>
+              <a:defRPr sz="2338"/>
             </a:lvl3pPr>
-            <a:lvl4pPr marL="867674" indent="0">
-              <a:buNone/>
-              <a:defRPr sz="1265"/>
+            <a:lvl4pPr marL="1336350" indent="0">
+              <a:buNone/>
+              <a:defRPr sz="1949"/>
             </a:lvl4pPr>
-            <a:lvl5pPr marL="1156899" indent="0">
-              <a:buNone/>
-              <a:defRPr sz="1265"/>
+            <a:lvl5pPr marL="1781800" indent="0">
+              <a:buNone/>
+              <a:defRPr sz="1949"/>
             </a:lvl5pPr>
-            <a:lvl6pPr marL="1446124" indent="0">
-              <a:buNone/>
-              <a:defRPr sz="1265"/>
+            <a:lvl6pPr marL="2227250" indent="0">
+              <a:buNone/>
+              <a:defRPr sz="1949"/>
             </a:lvl6pPr>
-            <a:lvl7pPr marL="1735348" indent="0">
-              <a:buNone/>
-              <a:defRPr sz="1265"/>
+            <a:lvl7pPr marL="2672700" indent="0">
+              <a:buNone/>
+              <a:defRPr sz="1949"/>
             </a:lvl7pPr>
-            <a:lvl8pPr marL="2024573" indent="0">
-              <a:buNone/>
-              <a:defRPr sz="1265"/>
+            <a:lvl8pPr marL="3118150" indent="0">
+              <a:buNone/>
+              <a:defRPr sz="1949"/>
             </a:lvl8pPr>
-            <a:lvl9pPr marL="2313798" indent="0">
-              <a:buNone/>
-              <a:defRPr sz="1265"/>
+            <a:lvl9pPr marL="3563600" indent="0">
+              <a:buNone/>
+              <a:defRPr sz="1949"/>
             </a:lvl9pPr>
           </a:lstStyle>
           <a:p>
@@ -2285,8 +2285,8 @@
         </p:nvSpPr>
         <p:spPr>
           <a:xfrm>
-            <a:off x="629841" y="1301591"/>
-            <a:ext cx="2949178" cy="2411359"/>
+            <a:off x="818247" y="2057400"/>
+            <a:ext cx="3831371" cy="3811588"/>
           </a:xfrm>
         </p:spPr>
         <p:txBody>
@@ -2294,39 +2294,39 @@
           <a:lstStyle>
             <a:lvl1pPr marL="0" indent="0">
               <a:buNone/>
-              <a:defRPr sz="1012"/>
+              <a:defRPr sz="1559"/>
             </a:lvl1pPr>
-            <a:lvl2pPr marL="289225" indent="0">
-              <a:buNone/>
-              <a:defRPr sz="886"/>
+            <a:lvl2pPr marL="445450" indent="0">
+              <a:buNone/>
+              <a:defRPr sz="1364"/>
             </a:lvl2pPr>
-            <a:lvl3pPr marL="578449" indent="0">
-              <a:buNone/>
-              <a:defRPr sz="759"/>
+            <a:lvl3pPr marL="890900" indent="0">
+              <a:buNone/>
+              <a:defRPr sz="1169"/>
             </a:lvl3pPr>
-            <a:lvl4pPr marL="867674" indent="0">
-              <a:buNone/>
-              <a:defRPr sz="633"/>
+            <a:lvl4pPr marL="1336350" indent="0">
+              <a:buNone/>
+              <a:defRPr sz="974"/>
             </a:lvl4pPr>
-            <a:lvl5pPr marL="1156899" indent="0">
-              <a:buNone/>
-              <a:defRPr sz="633"/>
+            <a:lvl5pPr marL="1781800" indent="0">
+              <a:buNone/>
+              <a:defRPr sz="974"/>
             </a:lvl5pPr>
-            <a:lvl6pPr marL="1446124" indent="0">
-              <a:buNone/>
-              <a:defRPr sz="633"/>
+            <a:lvl6pPr marL="2227250" indent="0">
+              <a:buNone/>
+              <a:defRPr sz="974"/>
             </a:lvl6pPr>
-            <a:lvl7pPr marL="1735348" indent="0">
-              <a:buNone/>
-              <a:defRPr sz="633"/>
+            <a:lvl7pPr marL="2672700" indent="0">
+              <a:buNone/>
+              <a:defRPr sz="974"/>
             </a:lvl7pPr>
-            <a:lvl8pPr marL="2024573" indent="0">
-              <a:buNone/>
-              <a:defRPr sz="633"/>
+            <a:lvl8pPr marL="3118150" indent="0">
+              <a:buNone/>
+              <a:defRPr sz="974"/>
             </a:lvl8pPr>
-            <a:lvl9pPr marL="2313798" indent="0">
-              <a:buNone/>
-              <a:defRPr sz="633"/>
+            <a:lvl9pPr marL="3563600" indent="0">
+              <a:buNone/>
+              <a:defRPr sz="974"/>
             </a:lvl9pPr>
           </a:lstStyle>
           <a:p>
@@ -2353,9 +2353,9 @@
           <a:bodyPr/>
           <a:lstStyle/>
           <a:p>
-            <a:fld id="{B3FD49CD-0034-0441-84C5-BD61FA025A57}" type="datetimeFigureOut">
+            <a:fld id="{266061D3-65A2-2C4E-AF03-15740F8A8862}" type="datetimeFigureOut">
               <a:rPr lang="en-US" smtClean="0"/>
-              <a:t>8/10/20</a:t>
+              <a:t>12/15/20</a:t>
             </a:fld>
             <a:endParaRPr lang="en-US"/>
           </a:p>
@@ -2395,7 +2395,7 @@
           <a:bodyPr/>
           <a:lstStyle/>
           <a:p>
-            <a:fld id="{FBC658B5-A350-DE4B-8B29-42402953F3E0}" type="slidenum">
+            <a:fld id="{C8F7CE51-481E-E44C-9F26-D5080053C15B}" type="slidenum">
               <a:rPr lang="en-US" smtClean="0"/>
               <a:t>‹#›</a:t>
             </a:fld>
@@ -2406,7 +2406,7 @@
     </p:spTree>
     <p:extLst>
       <p:ext uri="{BB962C8B-B14F-4D97-AF65-F5344CB8AC3E}">
-        <p14:creationId xmlns:p14="http://schemas.microsoft.com/office/powerpoint/2010/main" val="25067358"/>
+        <p14:creationId xmlns:p14="http://schemas.microsoft.com/office/powerpoint/2010/main" val="4284042772"/>
       </p:ext>
     </p:extLst>
   </p:cSld>
@@ -2450,8 +2450,8 @@
         </p:nvSpPr>
         <p:spPr>
           <a:xfrm>
-            <a:off x="628650" y="230993"/>
-            <a:ext cx="7886700" cy="838603"/>
+            <a:off x="816700" y="365126"/>
+            <a:ext cx="10245864" cy="1325563"/>
           </a:xfrm>
           <a:prstGeom prst="rect">
             <a:avLst/>
@@ -2483,8 +2483,8 @@
         </p:nvSpPr>
         <p:spPr>
           <a:xfrm>
-            <a:off x="628650" y="1154961"/>
-            <a:ext cx="7886700" cy="2752826"/>
+            <a:off x="816700" y="1825625"/>
+            <a:ext cx="10245864" cy="4351338"/>
           </a:xfrm>
           <a:prstGeom prst="rect">
             <a:avLst/>
@@ -2545,8 +2545,8 @@
         </p:nvSpPr>
         <p:spPr>
           <a:xfrm>
-            <a:off x="628650" y="4021275"/>
-            <a:ext cx="2057400" cy="230992"/>
+            <a:off x="816699" y="6356351"/>
+            <a:ext cx="2672834" cy="365125"/>
           </a:xfrm>
           <a:prstGeom prst="rect">
             <a:avLst/>
@@ -2556,7 +2556,7 @@
           <a:bodyPr vert="horz" lIns="91440" tIns="45720" rIns="91440" bIns="45720" rtlCol="0" anchor="ctr"/>
           <a:lstStyle>
             <a:lvl1pPr algn="l">
-              <a:defRPr sz="759">
+              <a:defRPr sz="1169">
                 <a:solidFill>
                   <a:schemeClr val="tx1">
                     <a:tint val="75000"/>
@@ -2566,9 +2566,9 @@
             </a:lvl1pPr>
           </a:lstStyle>
           <a:p>
-            <a:fld id="{B3FD49CD-0034-0441-84C5-BD61FA025A57}" type="datetimeFigureOut">
+            <a:fld id="{266061D3-65A2-2C4E-AF03-15740F8A8862}" type="datetimeFigureOut">
               <a:rPr lang="en-US" smtClean="0"/>
-              <a:t>8/10/20</a:t>
+              <a:t>12/15/20</a:t>
             </a:fld>
             <a:endParaRPr lang="en-US"/>
           </a:p>
@@ -2586,8 +2586,8 @@
         </p:nvSpPr>
         <p:spPr>
           <a:xfrm>
-            <a:off x="3028950" y="4021275"/>
-            <a:ext cx="3086100" cy="230992"/>
+            <a:off x="3935006" y="6356351"/>
+            <a:ext cx="4009251" cy="365125"/>
           </a:xfrm>
           <a:prstGeom prst="rect">
             <a:avLst/>
@@ -2597,7 +2597,7 @@
           <a:bodyPr vert="horz" lIns="91440" tIns="45720" rIns="91440" bIns="45720" rtlCol="0" anchor="ctr"/>
           <a:lstStyle>
             <a:lvl1pPr algn="ctr">
-              <a:defRPr sz="759">
+              <a:defRPr sz="1169">
                 <a:solidFill>
                   <a:schemeClr val="tx1">
                     <a:tint val="75000"/>
@@ -2623,8 +2623,8 @@
         </p:nvSpPr>
         <p:spPr>
           <a:xfrm>
-            <a:off x="6457950" y="4021275"/>
-            <a:ext cx="2057400" cy="230992"/>
+            <a:off x="8389730" y="6356351"/>
+            <a:ext cx="2672834" cy="365125"/>
           </a:xfrm>
           <a:prstGeom prst="rect">
             <a:avLst/>
@@ -2634,7 +2634,7 @@
           <a:bodyPr vert="horz" lIns="91440" tIns="45720" rIns="91440" bIns="45720" rtlCol="0" anchor="ctr"/>
           <a:lstStyle>
             <a:lvl1pPr algn="r">
-              <a:defRPr sz="759">
+              <a:defRPr sz="1169">
                 <a:solidFill>
                   <a:schemeClr val="tx1">
                     <a:tint val="75000"/>
@@ -2644,7 +2644,7 @@
             </a:lvl1pPr>
           </a:lstStyle>
           <a:p>
-            <a:fld id="{FBC658B5-A350-DE4B-8B29-42402953F3E0}" type="slidenum">
+            <a:fld id="{C8F7CE51-481E-E44C-9F26-D5080053C15B}" type="slidenum">
               <a:rPr lang="en-US" smtClean="0"/>
               <a:t>‹#›</a:t>
             </a:fld>
@@ -2655,7 +2655,7 @@
     </p:spTree>
     <p:extLst>
       <p:ext uri="{BB962C8B-B14F-4D97-AF65-F5344CB8AC3E}">
-        <p14:creationId xmlns:p14="http://schemas.microsoft.com/office/powerpoint/2010/main" val="2732485425"/>
+        <p14:creationId xmlns:p14="http://schemas.microsoft.com/office/powerpoint/2010/main" val="1399521498"/>
       </p:ext>
     </p:extLst>
   </p:cSld>
@@ -2675,7 +2675,7 @@
   </p:sldLayoutIdLst>
   <p:txStyles>
     <p:titleStyle>
-      <a:lvl1pPr algn="l" defTabSz="578449" rtl="0" eaLnBrk="1" latinLnBrk="0" hangingPunct="1">
+      <a:lvl1pPr algn="l" defTabSz="890900" rtl="0" eaLnBrk="1" latinLnBrk="0" hangingPunct="1">
         <a:lnSpc>
           <a:spcPct val="90000"/>
         </a:lnSpc>
@@ -2683,7 +2683,7 @@
           <a:spcPct val="0"/>
         </a:spcBef>
         <a:buNone/>
-        <a:defRPr sz="2783" kern="1200">
+        <a:defRPr sz="4287" kern="1200">
           <a:solidFill>
             <a:schemeClr val="tx1"/>
           </a:solidFill>
@@ -2694,16 +2694,16 @@
       </a:lvl1pPr>
     </p:titleStyle>
     <p:bodyStyle>
-      <a:lvl1pPr marL="144612" indent="-144612" algn="l" defTabSz="578449" rtl="0" eaLnBrk="1" latinLnBrk="0" hangingPunct="1">
+      <a:lvl1pPr marL="222725" indent="-222725" algn="l" defTabSz="890900" rtl="0" eaLnBrk="1" latinLnBrk="0" hangingPunct="1">
         <a:lnSpc>
           <a:spcPct val="90000"/>
         </a:lnSpc>
         <a:spcBef>
-          <a:spcPts val="633"/>
+          <a:spcPts val="974"/>
         </a:spcBef>
         <a:buFont typeface="Arial" panose="020B0604020202020204" pitchFamily="34" charset="0"/>
         <a:buChar char="•"/>
-        <a:defRPr sz="1771" kern="1200">
+        <a:defRPr sz="2728" kern="1200">
           <a:solidFill>
             <a:schemeClr val="tx1"/>
           </a:solidFill>
@@ -2712,16 +2712,16 @@
           <a:cs typeface="+mn-cs"/>
         </a:defRPr>
       </a:lvl1pPr>
-      <a:lvl2pPr marL="433837" indent="-144612" algn="l" defTabSz="578449" rtl="0" eaLnBrk="1" latinLnBrk="0" hangingPunct="1">
+      <a:lvl2pPr marL="668175" indent="-222725" algn="l" defTabSz="890900" rtl="0" eaLnBrk="1" latinLnBrk="0" hangingPunct="1">
         <a:lnSpc>
           <a:spcPct val="90000"/>
         </a:lnSpc>
         <a:spcBef>
-          <a:spcPts val="316"/>
+          <a:spcPts val="487"/>
         </a:spcBef>
         <a:buFont typeface="Arial" panose="020B0604020202020204" pitchFamily="34" charset="0"/>
         <a:buChar char="•"/>
-        <a:defRPr sz="1518" kern="1200">
+        <a:defRPr sz="2338" kern="1200">
           <a:solidFill>
             <a:schemeClr val="tx1"/>
           </a:solidFill>
@@ -2730,16 +2730,16 @@
           <a:cs typeface="+mn-cs"/>
         </a:defRPr>
       </a:lvl2pPr>
-      <a:lvl3pPr marL="723062" indent="-144612" algn="l" defTabSz="578449" rtl="0" eaLnBrk="1" latinLnBrk="0" hangingPunct="1">
+      <a:lvl3pPr marL="1113625" indent="-222725" algn="l" defTabSz="890900" rtl="0" eaLnBrk="1" latinLnBrk="0" hangingPunct="1">
         <a:lnSpc>
           <a:spcPct val="90000"/>
         </a:lnSpc>
         <a:spcBef>
-          <a:spcPts val="316"/>
+          <a:spcPts val="487"/>
         </a:spcBef>
         <a:buFont typeface="Arial" panose="020B0604020202020204" pitchFamily="34" charset="0"/>
         <a:buChar char="•"/>
-        <a:defRPr sz="1265" kern="1200">
+        <a:defRPr sz="1949" kern="1200">
           <a:solidFill>
             <a:schemeClr val="tx1"/>
           </a:solidFill>
@@ -2748,16 +2748,16 @@
           <a:cs typeface="+mn-cs"/>
         </a:defRPr>
       </a:lvl3pPr>
-      <a:lvl4pPr marL="1012287" indent="-144612" algn="l" defTabSz="578449" rtl="0" eaLnBrk="1" latinLnBrk="0" hangingPunct="1">
+      <a:lvl4pPr marL="1559075" indent="-222725" algn="l" defTabSz="890900" rtl="0" eaLnBrk="1" latinLnBrk="0" hangingPunct="1">
         <a:lnSpc>
           <a:spcPct val="90000"/>
         </a:lnSpc>
         <a:spcBef>
-          <a:spcPts val="316"/>
+          <a:spcPts val="487"/>
         </a:spcBef>
         <a:buFont typeface="Arial" panose="020B0604020202020204" pitchFamily="34" charset="0"/>
         <a:buChar char="•"/>
-        <a:defRPr sz="1139" kern="1200">
+        <a:defRPr sz="1754" kern="1200">
           <a:solidFill>
             <a:schemeClr val="tx1"/>
           </a:solidFill>
@@ -2766,16 +2766,16 @@
           <a:cs typeface="+mn-cs"/>
         </a:defRPr>
       </a:lvl4pPr>
-      <a:lvl5pPr marL="1301511" indent="-144612" algn="l" defTabSz="578449" rtl="0" eaLnBrk="1" latinLnBrk="0" hangingPunct="1">
+      <a:lvl5pPr marL="2004525" indent="-222725" algn="l" defTabSz="890900" rtl="0" eaLnBrk="1" latinLnBrk="0" hangingPunct="1">
         <a:lnSpc>
           <a:spcPct val="90000"/>
         </a:lnSpc>
         <a:spcBef>
-          <a:spcPts val="316"/>
+          <a:spcPts val="487"/>
         </a:spcBef>
         <a:buFont typeface="Arial" panose="020B0604020202020204" pitchFamily="34" charset="0"/>
         <a:buChar char="•"/>
-        <a:defRPr sz="1139" kern="1200">
+        <a:defRPr sz="1754" kern="1200">
           <a:solidFill>
             <a:schemeClr val="tx1"/>
           </a:solidFill>
@@ -2784,16 +2784,16 @@
           <a:cs typeface="+mn-cs"/>
         </a:defRPr>
       </a:lvl5pPr>
-      <a:lvl6pPr marL="1590736" indent="-144612" algn="l" defTabSz="578449" rtl="0" eaLnBrk="1" latinLnBrk="0" hangingPunct="1">
+      <a:lvl6pPr marL="2449975" indent="-222725" algn="l" defTabSz="890900" rtl="0" eaLnBrk="1" latinLnBrk="0" hangingPunct="1">
         <a:lnSpc>
           <a:spcPct val="90000"/>
         </a:lnSpc>
         <a:spcBef>
-          <a:spcPts val="316"/>
+          <a:spcPts val="487"/>
         </a:spcBef>
         <a:buFont typeface="Arial" panose="020B0604020202020204" pitchFamily="34" charset="0"/>
         <a:buChar char="•"/>
-        <a:defRPr sz="1139" kern="1200">
+        <a:defRPr sz="1754" kern="1200">
           <a:solidFill>
             <a:schemeClr val="tx1"/>
           </a:solidFill>
@@ -2802,16 +2802,16 @@
           <a:cs typeface="+mn-cs"/>
         </a:defRPr>
       </a:lvl6pPr>
-      <a:lvl7pPr marL="1879961" indent="-144612" algn="l" defTabSz="578449" rtl="0" eaLnBrk="1" latinLnBrk="0" hangingPunct="1">
+      <a:lvl7pPr marL="2895425" indent="-222725" algn="l" defTabSz="890900" rtl="0" eaLnBrk="1" latinLnBrk="0" hangingPunct="1">
         <a:lnSpc>
           <a:spcPct val="90000"/>
         </a:lnSpc>
         <a:spcBef>
-          <a:spcPts val="316"/>
+          <a:spcPts val="487"/>
         </a:spcBef>
         <a:buFont typeface="Arial" panose="020B0604020202020204" pitchFamily="34" charset="0"/>
         <a:buChar char="•"/>
-        <a:defRPr sz="1139" kern="1200">
+        <a:defRPr sz="1754" kern="1200">
           <a:solidFill>
             <a:schemeClr val="tx1"/>
           </a:solidFill>
@@ -2820,16 +2820,16 @@
           <a:cs typeface="+mn-cs"/>
         </a:defRPr>
       </a:lvl7pPr>
-      <a:lvl8pPr marL="2169185" indent="-144612" algn="l" defTabSz="578449" rtl="0" eaLnBrk="1" latinLnBrk="0" hangingPunct="1">
+      <a:lvl8pPr marL="3340875" indent="-222725" algn="l" defTabSz="890900" rtl="0" eaLnBrk="1" latinLnBrk="0" hangingPunct="1">
         <a:lnSpc>
           <a:spcPct val="90000"/>
         </a:lnSpc>
         <a:spcBef>
-          <a:spcPts val="316"/>
+          <a:spcPts val="487"/>
         </a:spcBef>
         <a:buFont typeface="Arial" panose="020B0604020202020204" pitchFamily="34" charset="0"/>
         <a:buChar char="•"/>
-        <a:defRPr sz="1139" kern="1200">
+        <a:defRPr sz="1754" kern="1200">
           <a:solidFill>
             <a:schemeClr val="tx1"/>
           </a:solidFill>
@@ -2838,16 +2838,16 @@
           <a:cs typeface="+mn-cs"/>
         </a:defRPr>
       </a:lvl8pPr>
-      <a:lvl9pPr marL="2458410" indent="-144612" algn="l" defTabSz="578449" rtl="0" eaLnBrk="1" latinLnBrk="0" hangingPunct="1">
+      <a:lvl9pPr marL="3786325" indent="-222725" algn="l" defTabSz="890900" rtl="0" eaLnBrk="1" latinLnBrk="0" hangingPunct="1">
         <a:lnSpc>
           <a:spcPct val="90000"/>
         </a:lnSpc>
         <a:spcBef>
-          <a:spcPts val="316"/>
+          <a:spcPts val="487"/>
         </a:spcBef>
         <a:buFont typeface="Arial" panose="020B0604020202020204" pitchFamily="34" charset="0"/>
         <a:buChar char="•"/>
-        <a:defRPr sz="1139" kern="1200">
+        <a:defRPr sz="1754" kern="1200">
           <a:solidFill>
             <a:schemeClr val="tx1"/>
           </a:solidFill>
@@ -2861,8 +2861,8 @@
       <a:defPPr>
         <a:defRPr lang="en-US"/>
       </a:defPPr>
-      <a:lvl1pPr marL="0" algn="l" defTabSz="578449" rtl="0" eaLnBrk="1" latinLnBrk="0" hangingPunct="1">
-        <a:defRPr sz="1139" kern="1200">
+      <a:lvl1pPr marL="0" algn="l" defTabSz="890900" rtl="0" eaLnBrk="1" latinLnBrk="0" hangingPunct="1">
+        <a:defRPr sz="1754" kern="1200">
           <a:solidFill>
             <a:schemeClr val="tx1"/>
           </a:solidFill>
@@ -2871,8 +2871,8 @@
           <a:cs typeface="+mn-cs"/>
         </a:defRPr>
       </a:lvl1pPr>
-      <a:lvl2pPr marL="289225" algn="l" defTabSz="578449" rtl="0" eaLnBrk="1" latinLnBrk="0" hangingPunct="1">
-        <a:defRPr sz="1139" kern="1200">
+      <a:lvl2pPr marL="445450" algn="l" defTabSz="890900" rtl="0" eaLnBrk="1" latinLnBrk="0" hangingPunct="1">
+        <a:defRPr sz="1754" kern="1200">
           <a:solidFill>
             <a:schemeClr val="tx1"/>
           </a:solidFill>
@@ -2881,8 +2881,8 @@
           <a:cs typeface="+mn-cs"/>
         </a:defRPr>
       </a:lvl2pPr>
-      <a:lvl3pPr marL="578449" algn="l" defTabSz="578449" rtl="0" eaLnBrk="1" latinLnBrk="0" hangingPunct="1">
-        <a:defRPr sz="1139" kern="1200">
+      <a:lvl3pPr marL="890900" algn="l" defTabSz="890900" rtl="0" eaLnBrk="1" latinLnBrk="0" hangingPunct="1">
+        <a:defRPr sz="1754" kern="1200">
           <a:solidFill>
             <a:schemeClr val="tx1"/>
           </a:solidFill>
@@ -2891,8 +2891,8 @@
           <a:cs typeface="+mn-cs"/>
         </a:defRPr>
       </a:lvl3pPr>
-      <a:lvl4pPr marL="867674" algn="l" defTabSz="578449" rtl="0" eaLnBrk="1" latinLnBrk="0" hangingPunct="1">
-        <a:defRPr sz="1139" kern="1200">
+      <a:lvl4pPr marL="1336350" algn="l" defTabSz="890900" rtl="0" eaLnBrk="1" latinLnBrk="0" hangingPunct="1">
+        <a:defRPr sz="1754" kern="1200">
           <a:solidFill>
             <a:schemeClr val="tx1"/>
           </a:solidFill>
@@ -2901,8 +2901,8 @@
           <a:cs typeface="+mn-cs"/>
         </a:defRPr>
       </a:lvl4pPr>
-      <a:lvl5pPr marL="1156899" algn="l" defTabSz="578449" rtl="0" eaLnBrk="1" latinLnBrk="0" hangingPunct="1">
-        <a:defRPr sz="1139" kern="1200">
+      <a:lvl5pPr marL="1781800" algn="l" defTabSz="890900" rtl="0" eaLnBrk="1" latinLnBrk="0" hangingPunct="1">
+        <a:defRPr sz="1754" kern="1200">
           <a:solidFill>
             <a:schemeClr val="tx1"/>
           </a:solidFill>
@@ -2911,8 +2911,8 @@
           <a:cs typeface="+mn-cs"/>
         </a:defRPr>
       </a:lvl5pPr>
-      <a:lvl6pPr marL="1446124" algn="l" defTabSz="578449" rtl="0" eaLnBrk="1" latinLnBrk="0" hangingPunct="1">
-        <a:defRPr sz="1139" kern="1200">
+      <a:lvl6pPr marL="2227250" algn="l" defTabSz="890900" rtl="0" eaLnBrk="1" latinLnBrk="0" hangingPunct="1">
+        <a:defRPr sz="1754" kern="1200">
           <a:solidFill>
             <a:schemeClr val="tx1"/>
           </a:solidFill>
@@ -2921,8 +2921,8 @@
           <a:cs typeface="+mn-cs"/>
         </a:defRPr>
       </a:lvl6pPr>
-      <a:lvl7pPr marL="1735348" algn="l" defTabSz="578449" rtl="0" eaLnBrk="1" latinLnBrk="0" hangingPunct="1">
-        <a:defRPr sz="1139" kern="1200">
+      <a:lvl7pPr marL="2672700" algn="l" defTabSz="890900" rtl="0" eaLnBrk="1" latinLnBrk="0" hangingPunct="1">
+        <a:defRPr sz="1754" kern="1200">
           <a:solidFill>
             <a:schemeClr val="tx1"/>
           </a:solidFill>
@@ -2931,8 +2931,8 @@
           <a:cs typeface="+mn-cs"/>
         </a:defRPr>
       </a:lvl7pPr>
-      <a:lvl8pPr marL="2024573" algn="l" defTabSz="578449" rtl="0" eaLnBrk="1" latinLnBrk="0" hangingPunct="1">
-        <a:defRPr sz="1139" kern="1200">
+      <a:lvl8pPr marL="3118150" algn="l" defTabSz="890900" rtl="0" eaLnBrk="1" latinLnBrk="0" hangingPunct="1">
+        <a:defRPr sz="1754" kern="1200">
           <a:solidFill>
             <a:schemeClr val="tx1"/>
           </a:solidFill>
@@ -2941,8 +2941,8 @@
           <a:cs typeface="+mn-cs"/>
         </a:defRPr>
       </a:lvl8pPr>
-      <a:lvl9pPr marL="2313798" algn="l" defTabSz="578449" rtl="0" eaLnBrk="1" latinLnBrk="0" hangingPunct="1">
-        <a:defRPr sz="1139" kern="1200">
+      <a:lvl9pPr marL="3563600" algn="l" defTabSz="890900" rtl="0" eaLnBrk="1" latinLnBrk="0" hangingPunct="1">
+        <a:defRPr sz="1754" kern="1200">
           <a:solidFill>
             <a:schemeClr val="tx1"/>
           </a:solidFill>
@@ -2973,86 +2973,12 @@
           <a:chExt cx="0" cy="0"/>
         </a:xfrm>
       </p:grpSpPr>
-      <p:sp>
-        <p:nvSpPr>
-          <p:cNvPr id="8" name="TextBox 7">
+      <p:pic>
+        <p:nvPicPr>
+          <p:cNvPr id="5" name="Picture 4">
             <a:extLst>
               <a:ext uri="{FF2B5EF4-FFF2-40B4-BE49-F238E27FC236}">
-                <a16:creationId xmlns:a16="http://schemas.microsoft.com/office/drawing/2014/main" id="{EA956CE8-16F1-F64F-81C1-ED4DB986C4C9}"/>
-              </a:ext>
-            </a:extLst>
-          </p:cNvPr>
-          <p:cNvSpPr txBox="1"/>
-          <p:nvPr/>
-        </p:nvSpPr>
-        <p:spPr>
-          <a:xfrm>
-            <a:off x="401782" y="196322"/>
-            <a:ext cx="300082" cy="369332"/>
-          </a:xfrm>
-          <a:prstGeom prst="rect">
-            <a:avLst/>
-          </a:prstGeom>
-          <a:noFill/>
-        </p:spPr>
-        <p:txBody>
-          <a:bodyPr wrap="none" rtlCol="0">
-            <a:spAutoFit/>
-          </a:bodyPr>
-          <a:lstStyle/>
-          <a:p>
-            <a:r>
-              <a:rPr lang="en-US" b="1" dirty="0">
-                <a:latin typeface="Times" pitchFamily="2" charset="0"/>
-              </a:rPr>
-              <a:t>a</a:t>
-            </a:r>
-          </a:p>
-        </p:txBody>
-      </p:sp>
-      <p:sp>
-        <p:nvSpPr>
-          <p:cNvPr id="9" name="TextBox 8">
-            <a:extLst>
-              <a:ext uri="{FF2B5EF4-FFF2-40B4-BE49-F238E27FC236}">
-                <a16:creationId xmlns:a16="http://schemas.microsoft.com/office/drawing/2014/main" id="{1CCBC0BC-BE0A-A048-876A-A077BAB3AC4C}"/>
-              </a:ext>
-            </a:extLst>
-          </p:cNvPr>
-          <p:cNvSpPr txBox="1"/>
-          <p:nvPr/>
-        </p:nvSpPr>
-        <p:spPr>
-          <a:xfrm>
-            <a:off x="4572000" y="196322"/>
-            <a:ext cx="312906" cy="369332"/>
-          </a:xfrm>
-          <a:prstGeom prst="rect">
-            <a:avLst/>
-          </a:prstGeom>
-          <a:noFill/>
-        </p:spPr>
-        <p:txBody>
-          <a:bodyPr wrap="none" rtlCol="0">
-            <a:spAutoFit/>
-          </a:bodyPr>
-          <a:lstStyle/>
-          <a:p>
-            <a:r>
-              <a:rPr lang="en-US" b="1" dirty="0">
-                <a:latin typeface="Times" pitchFamily="2" charset="0"/>
-              </a:rPr>
-              <a:t>b</a:t>
-            </a:r>
-          </a:p>
-        </p:txBody>
-      </p:sp>
-      <p:pic>
-        <p:nvPicPr>
-          <p:cNvPr id="3" name="Picture 2">
-            <a:extLst>
-              <a:ext uri="{FF2B5EF4-FFF2-40B4-BE49-F238E27FC236}">
-                <a16:creationId xmlns:a16="http://schemas.microsoft.com/office/drawing/2014/main" id="{CF950C4A-3F7F-E843-B1BE-025B3263A085}"/>
+                <a16:creationId xmlns:a16="http://schemas.microsoft.com/office/drawing/2014/main" id="{101A4A32-6225-B140-8C95-EC543FE570E1}"/>
               </a:ext>
             </a:extLst>
           </p:cNvPr>
@@ -3068,47 +2994,298 @@
         </p:blipFill>
         <p:spPr>
           <a:xfrm>
-            <a:off x="110837" y="565654"/>
-            <a:ext cx="4840273" cy="3226849"/>
+            <a:off x="796131" y="0"/>
+            <a:ext cx="10287000" cy="6858000"/>
           </a:xfrm>
           <a:prstGeom prst="rect">
             <a:avLst/>
           </a:prstGeom>
         </p:spPr>
       </p:pic>
-      <p:pic>
-        <p:nvPicPr>
-          <p:cNvPr id="6" name="Picture 5">
+      <p:sp>
+        <p:nvSpPr>
+          <p:cNvPr id="6" name="TextBox 5">
             <a:extLst>
               <a:ext uri="{FF2B5EF4-FFF2-40B4-BE49-F238E27FC236}">
-                <a16:creationId xmlns:a16="http://schemas.microsoft.com/office/drawing/2014/main" id="{6DAF4E47-07E4-1646-AF9E-C38203A71F17}"/>
+                <a16:creationId xmlns:a16="http://schemas.microsoft.com/office/drawing/2014/main" id="{A15C34B4-017A-FD4A-BF55-FD4D17D6C43D}"/>
               </a:ext>
             </a:extLst>
           </p:cNvPr>
-          <p:cNvPicPr>
-            <a:picLocks noChangeAspect="1"/>
-          </p:cNvPicPr>
+          <p:cNvSpPr txBox="1"/>
           <p:nvPr/>
-        </p:nvPicPr>
-        <p:blipFill>
-          <a:blip r:embed="rId3"/>
-          <a:srcRect/>
-          <a:stretch/>
-        </p:blipFill>
+        </p:nvSpPr>
         <p:spPr>
           <a:xfrm>
-            <a:off x="4192892" y="565657"/>
-            <a:ext cx="4840273" cy="3226849"/>
+            <a:off x="796131" y="110836"/>
+            <a:ext cx="298480" cy="369332"/>
           </a:xfrm>
           <a:prstGeom prst="rect">
             <a:avLst/>
           </a:prstGeom>
+          <a:noFill/>
         </p:spPr>
-      </p:pic>
+        <p:txBody>
+          <a:bodyPr wrap="none" rtlCol="0">
+            <a:spAutoFit/>
+          </a:bodyPr>
+          <a:lstStyle/>
+          <a:p>
+            <a:r>
+              <a:rPr lang="en-US" b="1" dirty="0"/>
+              <a:t>a</a:t>
+            </a:r>
+          </a:p>
+        </p:txBody>
+      </p:sp>
+      <p:sp>
+        <p:nvSpPr>
+          <p:cNvPr id="7" name="TextBox 6">
+            <a:extLst>
+              <a:ext uri="{FF2B5EF4-FFF2-40B4-BE49-F238E27FC236}">
+                <a16:creationId xmlns:a16="http://schemas.microsoft.com/office/drawing/2014/main" id="{C5D0D504-3A60-A840-A07F-3972214BDD2B}"/>
+              </a:ext>
+            </a:extLst>
+          </p:cNvPr>
+          <p:cNvSpPr txBox="1"/>
+          <p:nvPr/>
+        </p:nvSpPr>
+        <p:spPr>
+          <a:xfrm>
+            <a:off x="4439876" y="0"/>
+            <a:ext cx="308098" cy="369332"/>
+          </a:xfrm>
+          <a:prstGeom prst="rect">
+            <a:avLst/>
+          </a:prstGeom>
+          <a:noFill/>
+        </p:spPr>
+        <p:txBody>
+          <a:bodyPr wrap="none" rtlCol="0">
+            <a:spAutoFit/>
+          </a:bodyPr>
+          <a:lstStyle/>
+          <a:p>
+            <a:r>
+              <a:rPr lang="en-US" b="1" dirty="0"/>
+              <a:t>b</a:t>
+            </a:r>
+          </a:p>
+        </p:txBody>
+      </p:sp>
+      <p:sp>
+        <p:nvSpPr>
+          <p:cNvPr id="8" name="TextBox 7">
+            <a:extLst>
+              <a:ext uri="{FF2B5EF4-FFF2-40B4-BE49-F238E27FC236}">
+                <a16:creationId xmlns:a16="http://schemas.microsoft.com/office/drawing/2014/main" id="{84D0DA53-CD7F-FB44-A3DC-D0E77A6FE01E}"/>
+              </a:ext>
+            </a:extLst>
+          </p:cNvPr>
+          <p:cNvSpPr txBox="1"/>
+          <p:nvPr/>
+        </p:nvSpPr>
+        <p:spPr>
+          <a:xfrm>
+            <a:off x="7349331" y="-4741"/>
+            <a:ext cx="280846" cy="369332"/>
+          </a:xfrm>
+          <a:prstGeom prst="rect">
+            <a:avLst/>
+          </a:prstGeom>
+          <a:noFill/>
+        </p:spPr>
+        <p:txBody>
+          <a:bodyPr wrap="none" rtlCol="0">
+            <a:spAutoFit/>
+          </a:bodyPr>
+          <a:lstStyle/>
+          <a:p>
+            <a:r>
+              <a:rPr lang="en-US" b="1" dirty="0"/>
+              <a:t>c</a:t>
+            </a:r>
+          </a:p>
+        </p:txBody>
+      </p:sp>
+      <p:sp>
+        <p:nvSpPr>
+          <p:cNvPr id="9" name="TextBox 8">
+            <a:extLst>
+              <a:ext uri="{FF2B5EF4-FFF2-40B4-BE49-F238E27FC236}">
+                <a16:creationId xmlns:a16="http://schemas.microsoft.com/office/drawing/2014/main" id="{B51DAD1B-CA72-EC4D-A487-CB4D6F2525DB}"/>
+              </a:ext>
+            </a:extLst>
+          </p:cNvPr>
+          <p:cNvSpPr txBox="1"/>
+          <p:nvPr/>
+        </p:nvSpPr>
+        <p:spPr>
+          <a:xfrm>
+            <a:off x="4467128" y="2128859"/>
+            <a:ext cx="308098" cy="369332"/>
+          </a:xfrm>
+          <a:prstGeom prst="rect">
+            <a:avLst/>
+          </a:prstGeom>
+          <a:noFill/>
+        </p:spPr>
+        <p:txBody>
+          <a:bodyPr wrap="none" rtlCol="0">
+            <a:spAutoFit/>
+          </a:bodyPr>
+          <a:lstStyle/>
+          <a:p>
+            <a:r>
+              <a:rPr lang="en-US" b="1" dirty="0"/>
+              <a:t>d</a:t>
+            </a:r>
+          </a:p>
+        </p:txBody>
+      </p:sp>
+      <p:sp>
+        <p:nvSpPr>
+          <p:cNvPr id="10" name="TextBox 9">
+            <a:extLst>
+              <a:ext uri="{FF2B5EF4-FFF2-40B4-BE49-F238E27FC236}">
+                <a16:creationId xmlns:a16="http://schemas.microsoft.com/office/drawing/2014/main" id="{49171B76-212F-074A-A4DE-913B0535D1E3}"/>
+              </a:ext>
+            </a:extLst>
+          </p:cNvPr>
+          <p:cNvSpPr txBox="1"/>
+          <p:nvPr/>
+        </p:nvSpPr>
+        <p:spPr>
+          <a:xfrm>
+            <a:off x="7322079" y="2128859"/>
+            <a:ext cx="308098" cy="369332"/>
+          </a:xfrm>
+          <a:prstGeom prst="rect">
+            <a:avLst/>
+          </a:prstGeom>
+          <a:noFill/>
+        </p:spPr>
+        <p:txBody>
+          <a:bodyPr wrap="none" rtlCol="0">
+            <a:spAutoFit/>
+          </a:bodyPr>
+          <a:lstStyle/>
+          <a:p>
+            <a:r>
+              <a:rPr lang="en-US" b="1" dirty="0"/>
+              <a:t>e</a:t>
+            </a:r>
+          </a:p>
+        </p:txBody>
+      </p:sp>
+      <p:sp>
+        <p:nvSpPr>
+          <p:cNvPr id="11" name="TextBox 10">
+            <a:extLst>
+              <a:ext uri="{FF2B5EF4-FFF2-40B4-BE49-F238E27FC236}">
+                <a16:creationId xmlns:a16="http://schemas.microsoft.com/office/drawing/2014/main" id="{D27020A5-47A5-C54F-B7A2-439E2A0888C1}"/>
+              </a:ext>
+            </a:extLst>
+          </p:cNvPr>
+          <p:cNvSpPr txBox="1"/>
+          <p:nvPr/>
+        </p:nvSpPr>
+        <p:spPr>
+          <a:xfrm>
+            <a:off x="4467128" y="4359810"/>
+            <a:ext cx="258404" cy="369332"/>
+          </a:xfrm>
+          <a:prstGeom prst="rect">
+            <a:avLst/>
+          </a:prstGeom>
+          <a:noFill/>
+        </p:spPr>
+        <p:txBody>
+          <a:bodyPr wrap="none" rtlCol="0">
+            <a:spAutoFit/>
+          </a:bodyPr>
+          <a:lstStyle/>
+          <a:p>
+            <a:r>
+              <a:rPr lang="en-US" b="1" dirty="0"/>
+              <a:t>f</a:t>
+            </a:r>
+          </a:p>
+        </p:txBody>
+      </p:sp>
+      <p:sp>
+        <p:nvSpPr>
+          <p:cNvPr id="12" name="TextBox 11">
+            <a:extLst>
+              <a:ext uri="{FF2B5EF4-FFF2-40B4-BE49-F238E27FC236}">
+                <a16:creationId xmlns:a16="http://schemas.microsoft.com/office/drawing/2014/main" id="{94FB5A11-8ADC-C044-9B74-740AC734961D}"/>
+              </a:ext>
+            </a:extLst>
+          </p:cNvPr>
+          <p:cNvSpPr txBox="1"/>
+          <p:nvPr/>
+        </p:nvSpPr>
+        <p:spPr>
+          <a:xfrm>
+            <a:off x="7360552" y="4359810"/>
+            <a:ext cx="293670" cy="369332"/>
+          </a:xfrm>
+          <a:prstGeom prst="rect">
+            <a:avLst/>
+          </a:prstGeom>
+          <a:noFill/>
+        </p:spPr>
+        <p:txBody>
+          <a:bodyPr wrap="none" rtlCol="0">
+            <a:spAutoFit/>
+          </a:bodyPr>
+          <a:lstStyle/>
+          <a:p>
+            <a:r>
+              <a:rPr lang="en-US" b="1" dirty="0"/>
+              <a:t>g</a:t>
+            </a:r>
+          </a:p>
+        </p:txBody>
+      </p:sp>
+      <p:sp>
+        <p:nvSpPr>
+          <p:cNvPr id="13" name="TextBox 12">
+            <a:extLst>
+              <a:ext uri="{FF2B5EF4-FFF2-40B4-BE49-F238E27FC236}">
+                <a16:creationId xmlns:a16="http://schemas.microsoft.com/office/drawing/2014/main" id="{FFCE1AD6-F16E-C74C-B699-EE6099A2B00C}"/>
+              </a:ext>
+            </a:extLst>
+          </p:cNvPr>
+          <p:cNvSpPr txBox="1"/>
+          <p:nvPr/>
+        </p:nvSpPr>
+        <p:spPr>
+          <a:xfrm>
+            <a:off x="800941" y="3429000"/>
+            <a:ext cx="308098" cy="369332"/>
+          </a:xfrm>
+          <a:prstGeom prst="rect">
+            <a:avLst/>
+          </a:prstGeom>
+          <a:noFill/>
+        </p:spPr>
+        <p:txBody>
+          <a:bodyPr wrap="none" rtlCol="0">
+            <a:spAutoFit/>
+          </a:bodyPr>
+          <a:lstStyle/>
+          <a:p>
+            <a:r>
+              <a:rPr lang="en-US" b="1" dirty="0"/>
+              <a:t>h</a:t>
+            </a:r>
+          </a:p>
+        </p:txBody>
+      </p:sp>
     </p:spTree>
     <p:extLst>
       <p:ext uri="{BB962C8B-B14F-4D97-AF65-F5344CB8AC3E}">
-        <p14:creationId xmlns:p14="http://schemas.microsoft.com/office/powerpoint/2010/main" val="4057899514"/>
+        <p14:creationId xmlns:p14="http://schemas.microsoft.com/office/powerpoint/2010/main" val="2314752599"/>
       </p:ext>
     </p:extLst>
   </p:cSld>
